--- a/project_presentation_Insight_Explorers.pptx
+++ b/project_presentation_Insight_Explorers.pptx
@@ -194,7 +194,7 @@
 <file path=ppt/revisionInfo.xml><?xml version="1.0" encoding="utf-8"?>
 <p1510:revInfo xmlns:a="http://schemas.openxmlformats.org/drawingml/2006/main" xmlns:r="http://schemas.openxmlformats.org/officeDocument/2006/relationships" xmlns:p1510="http://schemas.microsoft.com/office/powerpoint/2015/10/main">
   <p1510:revLst>
-    <p1510:client id="{C8EE5FE6-FEBD-4C3C-90C6-1276EDC11B17}" v="3" dt="2021-07-12T08:14:30.480"/>
+    <p1510:client id="{C8EE5FE6-FEBD-4C3C-90C6-1276EDC11B17}" v="6" dt="2021-07-12T09:01:01.399"/>
   </p1510:revLst>
 </p1510:revInfo>
 </file>
@@ -204,10 +204,57 @@
   <pc:docChgLst>
     <pc:chgData name="P. Smith" userId="e168a96639a4093d" providerId="LiveId" clId="{C8EE5FE6-FEBD-4C3C-90C6-1276EDC11B17}"/>
     <pc:docChg chg="custSel modSld addSection delSection modSection">
-      <pc:chgData name="P. Smith" userId="e168a96639a4093d" providerId="LiveId" clId="{C8EE5FE6-FEBD-4C3C-90C6-1276EDC11B17}" dt="2021-07-12T08:19:58.518" v="40" actId="313"/>
+      <pc:chgData name="P. Smith" userId="e168a96639a4093d" providerId="LiveId" clId="{C8EE5FE6-FEBD-4C3C-90C6-1276EDC11B17}" dt="2021-07-12T10:11:51.387" v="206" actId="1076"/>
       <pc:docMkLst>
         <pc:docMk/>
       </pc:docMkLst>
+      <pc:sldChg chg="delSp modSp mod">
+        <pc:chgData name="P. Smith" userId="e168a96639a4093d" providerId="LiveId" clId="{C8EE5FE6-FEBD-4C3C-90C6-1276EDC11B17}" dt="2021-07-12T10:11:51.387" v="206" actId="1076"/>
+        <pc:sldMkLst>
+          <pc:docMk/>
+          <pc:sldMk cId="4160314936" sldId="279"/>
+        </pc:sldMkLst>
+        <pc:spChg chg="mod">
+          <ac:chgData name="P. Smith" userId="e168a96639a4093d" providerId="LiveId" clId="{C8EE5FE6-FEBD-4C3C-90C6-1276EDC11B17}" dt="2021-07-12T10:11:30.375" v="204" actId="1076"/>
+          <ac:spMkLst>
+            <pc:docMk/>
+            <pc:sldMk cId="4160314936" sldId="279"/>
+            <ac:spMk id="2" creationId="{C0ED4D4E-0532-4AD6-8D92-F5840CA791CB}"/>
+          </ac:spMkLst>
+        </pc:spChg>
+        <pc:spChg chg="mod">
+          <ac:chgData name="P. Smith" userId="e168a96639a4093d" providerId="LiveId" clId="{C8EE5FE6-FEBD-4C3C-90C6-1276EDC11B17}" dt="2021-07-12T10:11:44.931" v="205" actId="1076"/>
+          <ac:spMkLst>
+            <pc:docMk/>
+            <pc:sldMk cId="4160314936" sldId="279"/>
+            <ac:spMk id="3" creationId="{03BB9285-D76E-44D1-A0BF-6022648ED2EC}"/>
+          </ac:spMkLst>
+        </pc:spChg>
+        <pc:spChg chg="del">
+          <ac:chgData name="P. Smith" userId="e168a96639a4093d" providerId="LiveId" clId="{C8EE5FE6-FEBD-4C3C-90C6-1276EDC11B17}" dt="2021-07-12T10:11:01.355" v="201" actId="478"/>
+          <ac:spMkLst>
+            <pc:docMk/>
+            <pc:sldMk cId="4160314936" sldId="279"/>
+            <ac:spMk id="7" creationId="{6FA577BD-3196-4260-999C-AD991D0F00B9}"/>
+          </ac:spMkLst>
+        </pc:spChg>
+        <pc:spChg chg="mod">
+          <ac:chgData name="P. Smith" userId="e168a96639a4093d" providerId="LiveId" clId="{C8EE5FE6-FEBD-4C3C-90C6-1276EDC11B17}" dt="2021-07-12T10:11:51.387" v="206" actId="1076"/>
+          <ac:spMkLst>
+            <pc:docMk/>
+            <pc:sldMk cId="4160314936" sldId="279"/>
+            <ac:spMk id="39" creationId="{812679D9-F281-46E9-86B0-A4C5DBF686EA}"/>
+          </ac:spMkLst>
+        </pc:spChg>
+        <pc:spChg chg="mod">
+          <ac:chgData name="P. Smith" userId="e168a96639a4093d" providerId="LiveId" clId="{C8EE5FE6-FEBD-4C3C-90C6-1276EDC11B17}" dt="2021-07-12T10:11:44.931" v="205" actId="1076"/>
+          <ac:spMkLst>
+            <pc:docMk/>
+            <pc:sldMk cId="4160314936" sldId="279"/>
+            <ac:spMk id="50" creationId="{6FC8DCF0-3FE0-4034-B0C9-64E853C49AD1}"/>
+          </ac:spMkLst>
+        </pc:spChg>
+      </pc:sldChg>
       <pc:sldChg chg="modSp mod">
         <pc:chgData name="P. Smith" userId="e168a96639a4093d" providerId="LiveId" clId="{C8EE5FE6-FEBD-4C3C-90C6-1276EDC11B17}" dt="2021-07-12T08:19:58.518" v="40" actId="313"/>
         <pc:sldMkLst>
@@ -224,13 +271,44 @@
         </pc:spChg>
       </pc:sldChg>
       <pc:sldChg chg="modSp mod">
-        <pc:chgData name="P. Smith" userId="e168a96639a4093d" providerId="LiveId" clId="{C8EE5FE6-FEBD-4C3C-90C6-1276EDC11B17}" dt="2021-07-12T08:16:51.630" v="29" actId="20577"/>
+        <pc:chgData name="P. Smith" userId="e168a96639a4093d" providerId="LiveId" clId="{C8EE5FE6-FEBD-4C3C-90C6-1276EDC11B17}" dt="2021-07-12T08:54:40.147" v="79" actId="20577"/>
+        <pc:sldMkLst>
+          <pc:docMk/>
+          <pc:sldMk cId="3052919427" sldId="309"/>
+        </pc:sldMkLst>
+        <pc:spChg chg="mod">
+          <ac:chgData name="P. Smith" userId="e168a96639a4093d" providerId="LiveId" clId="{C8EE5FE6-FEBD-4C3C-90C6-1276EDC11B17}" dt="2021-07-12T08:54:40.147" v="79" actId="20577"/>
+          <ac:spMkLst>
+            <pc:docMk/>
+            <pc:sldMk cId="3052919427" sldId="309"/>
+            <ac:spMk id="14" creationId="{9CA19B93-E4B2-431D-8855-6E741FD38923}"/>
+          </ac:spMkLst>
+        </pc:spChg>
+        <pc:graphicFrameChg chg="modGraphic">
+          <ac:chgData name="P. Smith" userId="e168a96639a4093d" providerId="LiveId" clId="{C8EE5FE6-FEBD-4C3C-90C6-1276EDC11B17}" dt="2021-07-12T08:54:31.425" v="76" actId="20577"/>
+          <ac:graphicFrameMkLst>
+            <pc:docMk/>
+            <pc:sldMk cId="3052919427" sldId="309"/>
+            <ac:graphicFrameMk id="24" creationId="{C2ACA64E-6724-44BC-9AFB-6105E2D078FC}"/>
+          </ac:graphicFrameMkLst>
+        </pc:graphicFrameChg>
+      </pc:sldChg>
+      <pc:sldChg chg="modSp mod">
+        <pc:chgData name="P. Smith" userId="e168a96639a4093d" providerId="LiveId" clId="{C8EE5FE6-FEBD-4C3C-90C6-1276EDC11B17}" dt="2021-07-12T08:56:53.972" v="116" actId="20577"/>
         <pc:sldMkLst>
           <pc:docMk/>
           <pc:sldMk cId="1793110263" sldId="310"/>
         </pc:sldMkLst>
+        <pc:spChg chg="mod">
+          <ac:chgData name="P. Smith" userId="e168a96639a4093d" providerId="LiveId" clId="{C8EE5FE6-FEBD-4C3C-90C6-1276EDC11B17}" dt="2021-07-12T08:56:53.972" v="116" actId="20577"/>
+          <ac:spMkLst>
+            <pc:docMk/>
+            <pc:sldMk cId="1793110263" sldId="310"/>
+            <ac:spMk id="16" creationId="{DF882654-B33A-4579-A65B-87632C939422}"/>
+          </ac:spMkLst>
+        </pc:spChg>
         <pc:graphicFrameChg chg="modGraphic">
-          <ac:chgData name="P. Smith" userId="e168a96639a4093d" providerId="LiveId" clId="{C8EE5FE6-FEBD-4C3C-90C6-1276EDC11B17}" dt="2021-07-12T08:16:51.630" v="29" actId="20577"/>
+          <ac:chgData name="P. Smith" userId="e168a96639a4093d" providerId="LiveId" clId="{C8EE5FE6-FEBD-4C3C-90C6-1276EDC11B17}" dt="2021-07-12T08:56:44.522" v="113" actId="20577"/>
           <ac:graphicFrameMkLst>
             <pc:docMk/>
             <pc:sldMk cId="1793110263" sldId="310"/>
@@ -239,13 +317,21 @@
         </pc:graphicFrameChg>
       </pc:sldChg>
       <pc:sldChg chg="modSp mod">
-        <pc:chgData name="P. Smith" userId="e168a96639a4093d" providerId="LiveId" clId="{C8EE5FE6-FEBD-4C3C-90C6-1276EDC11B17}" dt="2021-07-12T08:17:17.660" v="33" actId="20577"/>
+        <pc:chgData name="P. Smith" userId="e168a96639a4093d" providerId="LiveId" clId="{C8EE5FE6-FEBD-4C3C-90C6-1276EDC11B17}" dt="2021-07-12T08:57:43.114" v="154" actId="20577"/>
         <pc:sldMkLst>
           <pc:docMk/>
           <pc:sldMk cId="2145441720" sldId="311"/>
         </pc:sldMkLst>
+        <pc:spChg chg="mod">
+          <ac:chgData name="P. Smith" userId="e168a96639a4093d" providerId="LiveId" clId="{C8EE5FE6-FEBD-4C3C-90C6-1276EDC11B17}" dt="2021-07-12T08:57:43.114" v="154" actId="20577"/>
+          <ac:spMkLst>
+            <pc:docMk/>
+            <pc:sldMk cId="2145441720" sldId="311"/>
+            <ac:spMk id="18" creationId="{17BACBE9-D011-4238-B8A0-EE0B1023878C}"/>
+          </ac:spMkLst>
+        </pc:spChg>
         <pc:graphicFrameChg chg="modGraphic">
-          <ac:chgData name="P. Smith" userId="e168a96639a4093d" providerId="LiveId" clId="{C8EE5FE6-FEBD-4C3C-90C6-1276EDC11B17}" dt="2021-07-12T08:17:17.660" v="33" actId="20577"/>
+          <ac:chgData name="P. Smith" userId="e168a96639a4093d" providerId="LiveId" clId="{C8EE5FE6-FEBD-4C3C-90C6-1276EDC11B17}" dt="2021-07-12T08:57:36.139" v="152" actId="20577"/>
           <ac:graphicFrameMkLst>
             <pc:docMk/>
             <pc:sldMk cId="2145441720" sldId="311"/>
@@ -253,12 +339,52 @@
           </ac:graphicFrameMkLst>
         </pc:graphicFrameChg>
       </pc:sldChg>
-      <pc:sldChg chg="modAnim">
-        <pc:chgData name="P. Smith" userId="e168a96639a4093d" providerId="LiveId" clId="{C8EE5FE6-FEBD-4C3C-90C6-1276EDC11B17}" dt="2021-07-12T08:14:30.480" v="3"/>
+      <pc:sldChg chg="addSp delSp modSp mod modAnim">
+        <pc:chgData name="P. Smith" userId="e168a96639a4093d" providerId="LiveId" clId="{C8EE5FE6-FEBD-4C3C-90C6-1276EDC11B17}" dt="2021-07-12T09:00:51.171" v="199" actId="1076"/>
         <pc:sldMkLst>
           <pc:docMk/>
           <pc:sldMk cId="2591354906" sldId="315"/>
         </pc:sldMkLst>
+        <pc:spChg chg="mod">
+          <ac:chgData name="P. Smith" userId="e168a96639a4093d" providerId="LiveId" clId="{C8EE5FE6-FEBD-4C3C-90C6-1276EDC11B17}" dt="2021-07-12T09:00:43.761" v="197" actId="1076"/>
+          <ac:spMkLst>
+            <pc:docMk/>
+            <pc:sldMk cId="2591354906" sldId="315"/>
+            <ac:spMk id="5" creationId="{5F17A756-CCF4-406F-89DF-4EB6982FF807}"/>
+          </ac:spMkLst>
+        </pc:spChg>
+        <pc:spChg chg="add mod">
+          <ac:chgData name="P. Smith" userId="e168a96639a4093d" providerId="LiveId" clId="{C8EE5FE6-FEBD-4C3C-90C6-1276EDC11B17}" dt="2021-07-12T09:00:51.171" v="199" actId="1076"/>
+          <ac:spMkLst>
+            <pc:docMk/>
+            <pc:sldMk cId="2591354906" sldId="315"/>
+            <ac:spMk id="10" creationId="{17F8CF41-5776-4365-8806-FFDDD1B22D94}"/>
+          </ac:spMkLst>
+        </pc:spChg>
+        <pc:picChg chg="del">
+          <ac:chgData name="P. Smith" userId="e168a96639a4093d" providerId="LiveId" clId="{C8EE5FE6-FEBD-4C3C-90C6-1276EDC11B17}" dt="2021-07-12T08:59:16.435" v="159" actId="478"/>
+          <ac:picMkLst>
+            <pc:docMk/>
+            <pc:sldMk cId="2591354906" sldId="315"/>
+            <ac:picMk id="6" creationId="{F43D9722-A369-462B-9DE4-74C803C965AD}"/>
+          </ac:picMkLst>
+        </pc:picChg>
+        <pc:picChg chg="add mod">
+          <ac:chgData name="P. Smith" userId="e168a96639a4093d" providerId="LiveId" clId="{C8EE5FE6-FEBD-4C3C-90C6-1276EDC11B17}" dt="2021-07-12T08:59:20.035" v="161" actId="14100"/>
+          <ac:picMkLst>
+            <pc:docMk/>
+            <pc:sldMk cId="2591354906" sldId="315"/>
+            <ac:picMk id="7" creationId="{536EBEC8-BA84-4823-AF46-714CDAF49185}"/>
+          </ac:picMkLst>
+        </pc:picChg>
+        <pc:picChg chg="add mod">
+          <ac:chgData name="P. Smith" userId="e168a96639a4093d" providerId="LiveId" clId="{C8EE5FE6-FEBD-4C3C-90C6-1276EDC11B17}" dt="2021-07-12T09:00:47.358" v="198" actId="1076"/>
+          <ac:picMkLst>
+            <pc:docMk/>
+            <pc:sldMk cId="2591354906" sldId="315"/>
+            <ac:picMk id="9" creationId="{1B704F48-DE77-41BA-B72E-895F3FAA8B0A}"/>
+          </ac:picMkLst>
+        </pc:picChg>
       </pc:sldChg>
     </pc:docChg>
   </pc:docChgLst>
@@ -33848,7 +33974,7 @@
           <p:nvPr>
             <p:extLst>
               <p:ext uri="{D42A27DB-BD31-4B8C-83A1-F6EECF244321}">
-                <p14:modId xmlns:p14="http://schemas.microsoft.com/office/powerpoint/2010/main" val="723959371"/>
+                <p14:modId xmlns:p14="http://schemas.microsoft.com/office/powerpoint/2010/main" val="1021170815"/>
               </p:ext>
             </p:extLst>
           </p:nvPr>
@@ -34049,7 +34175,7 @@
                             <a:schemeClr val="bg1"/>
                           </a:solidFill>
                         </a:rPr>
-                        <a:t>190 195</a:t>
+                        <a:t>155 135</a:t>
                       </a:r>
                     </a:p>
                   </a:txBody>
@@ -34088,7 +34214,7 @@
                             <a:schemeClr val="bg1"/>
                           </a:solidFill>
                         </a:rPr>
-                        <a:t>190 736</a:t>
+                        <a:t>155 407</a:t>
                       </a:r>
                     </a:p>
                   </a:txBody>
@@ -34127,7 +34253,7 @@
                             <a:schemeClr val="bg1"/>
                           </a:solidFill>
                         </a:rPr>
-                        <a:t>189 827</a:t>
+                        <a:t>153 931</a:t>
                       </a:r>
                     </a:p>
                   </a:txBody>
@@ -34520,7 +34646,7 @@
                 <a:ea typeface="Lufthansa Head Global Light" pitchFamily="2" charset="-128"/>
                 <a:cs typeface="Lufthansa Head Global Light" pitchFamily="2" charset="-128"/>
               </a:rPr>
-              <a:t>R2-Wert auf Testdaten: 0,71</a:t>
+              <a:t>R2-Wert auf Testdaten: 0,703</a:t>
             </a:r>
           </a:p>
         </p:txBody>
@@ -35157,7 +35283,7 @@
           <p:nvPr>
             <p:extLst>
               <p:ext uri="{D42A27DB-BD31-4B8C-83A1-F6EECF244321}">
-                <p14:modId xmlns:p14="http://schemas.microsoft.com/office/powerpoint/2010/main" val="3913961127"/>
+                <p14:modId xmlns:p14="http://schemas.microsoft.com/office/powerpoint/2010/main" val="440960645"/>
               </p:ext>
             </p:extLst>
           </p:nvPr>
@@ -35358,7 +35484,7 @@
                             <a:schemeClr val="bg1"/>
                           </a:solidFill>
                         </a:rPr>
-                        <a:t>45 617</a:t>
+                        <a:t>38 946</a:t>
                       </a:r>
                     </a:p>
                   </a:txBody>
@@ -35397,7 +35523,7 @@
                             <a:schemeClr val="bg1"/>
                           </a:solidFill>
                         </a:rPr>
-                        <a:t>122 635</a:t>
+                        <a:t>103 545</a:t>
                       </a:r>
                     </a:p>
                   </a:txBody>
@@ -35436,7 +35562,7 @@
                             <a:schemeClr val="bg1"/>
                           </a:solidFill>
                         </a:rPr>
-                        <a:t>120 174</a:t>
+                        <a:t>104 542</a:t>
                       </a:r>
                     </a:p>
                   </a:txBody>
@@ -35923,7 +36049,7 @@
                 <a:ea typeface="Lufthansa Head Global Light" pitchFamily="2" charset="-128"/>
                 <a:cs typeface="Lufthansa Head Global Light" pitchFamily="2" charset="-128"/>
               </a:rPr>
-              <a:t>R2-Wert auf Testdaten: 0,88</a:t>
+              <a:t>R2-Wert auf Testdaten: 0,863</a:t>
             </a:r>
           </a:p>
         </p:txBody>
@@ -36188,7 +36314,7 @@
           <p:nvPr>
             <p:extLst>
               <p:ext uri="{D42A27DB-BD31-4B8C-83A1-F6EECF244321}">
-                <p14:modId xmlns:p14="http://schemas.microsoft.com/office/powerpoint/2010/main" val="528635430"/>
+                <p14:modId xmlns:p14="http://schemas.microsoft.com/office/powerpoint/2010/main" val="2965672860"/>
               </p:ext>
             </p:extLst>
           </p:nvPr>
@@ -36389,7 +36515,7 @@
                             <a:schemeClr val="bg1"/>
                           </a:solidFill>
                         </a:rPr>
-                        <a:t>115 619</a:t>
+                        <a:t>101 559</a:t>
                       </a:r>
                     </a:p>
                   </a:txBody>
@@ -36428,7 +36554,7 @@
                             <a:schemeClr val="bg1"/>
                           </a:solidFill>
                         </a:rPr>
-                        <a:t>127 740</a:t>
+                        <a:t>109 279</a:t>
                       </a:r>
                     </a:p>
                   </a:txBody>
@@ -36467,7 +36593,7 @@
                             <a:schemeClr val="bg1"/>
                           </a:solidFill>
                         </a:rPr>
-                        <a:t>127 794</a:t>
+                        <a:t>109 162</a:t>
                       </a:r>
                     </a:p>
                   </a:txBody>
@@ -36997,7 +37123,7 @@
                 <a:ea typeface="Lufthansa Head Global Light" pitchFamily="2" charset="-128"/>
                 <a:cs typeface="Lufthansa Head Global Light" pitchFamily="2" charset="-128"/>
               </a:rPr>
-              <a:t>R2-Wert auf Testdaten: 0,87</a:t>
+              <a:t>R2-Wert auf Testdaten: 0,85</a:t>
             </a:r>
           </a:p>
         </p:txBody>
@@ -37478,7 +37604,7 @@
         </p:nvSpPr>
         <p:spPr>
           <a:xfrm>
-            <a:off x="673100" y="2134757"/>
+            <a:off x="683841" y="1856083"/>
             <a:ext cx="6056313" cy="4183062"/>
           </a:xfrm>
           <a:prstGeom prst="rect">
@@ -37669,11 +37795,98 @@
             </a:pPr>
             <a:r>
               <a:rPr lang="de-DE" sz="2000" dirty="0">
-                <a:latin typeface="Lufthansa Head Global Light" pitchFamily="2" charset="-128"/>
                 <a:ea typeface="Lufthansa Head Global Light" pitchFamily="2" charset="-128"/>
                 <a:cs typeface="Lufthansa Head Global Light" pitchFamily="2" charset="-128"/>
               </a:rPr>
               <a:t>Random Forest Regressor mit der höchsten Performance</a:t>
+            </a:r>
+          </a:p>
+          <a:p>
+            <a:pPr>
+              <a:buFont typeface="Wingdings" panose="05000000000000000000" pitchFamily="2" charset="2"/>
+              <a:buChar char="§"/>
+            </a:pPr>
+            <a:endParaRPr lang="de-DE" sz="2000" dirty="0">
+              <a:ea typeface="Lufthansa Head Global Light" pitchFamily="2" charset="-128"/>
+              <a:cs typeface="Lufthansa Head Global Light" pitchFamily="2" charset="-128"/>
+            </a:endParaRPr>
+          </a:p>
+          <a:p>
+            <a:pPr>
+              <a:buFont typeface="Wingdings" panose="05000000000000000000" pitchFamily="2" charset="2"/>
+              <a:buChar char="§"/>
+            </a:pPr>
+            <a:r>
+              <a:rPr lang="de-DE" sz="2000" dirty="0">
+                <a:ea typeface="Lufthansa Head Global Light" pitchFamily="2" charset="-128"/>
+                <a:cs typeface="Lufthansa Head Global Light" pitchFamily="2" charset="-128"/>
+              </a:rPr>
+              <a:t>Gradient </a:t>
+            </a:r>
+            <a:r>
+              <a:rPr lang="de-DE" sz="2000" dirty="0" err="1">
+                <a:ea typeface="Lufthansa Head Global Light" pitchFamily="2" charset="-128"/>
+                <a:cs typeface="Lufthansa Head Global Light" pitchFamily="2" charset="-128"/>
+              </a:rPr>
+              <a:t>Boosting</a:t>
+            </a:r>
+            <a:r>
+              <a:rPr lang="de-DE" sz="2000" dirty="0">
+                <a:ea typeface="Lufthansa Head Global Light" pitchFamily="2" charset="-128"/>
+                <a:cs typeface="Lufthansa Head Global Light" pitchFamily="2" charset="-128"/>
+              </a:rPr>
+              <a:t> ähnlich passend und zudem mit weniger </a:t>
+            </a:r>
+            <a:r>
+              <a:rPr lang="de-DE" sz="2000" dirty="0" err="1">
+                <a:ea typeface="Lufthansa Head Global Light" pitchFamily="2" charset="-128"/>
+                <a:cs typeface="Lufthansa Head Global Light" pitchFamily="2" charset="-128"/>
+              </a:rPr>
+              <a:t>Overfitting</a:t>
+            </a:r>
+            <a:r>
+              <a:rPr lang="de-DE" sz="2000" dirty="0">
+                <a:ea typeface="Lufthansa Head Global Light" pitchFamily="2" charset="-128"/>
+                <a:cs typeface="Lufthansa Head Global Light" pitchFamily="2" charset="-128"/>
+              </a:rPr>
+              <a:t> als der Random Forest</a:t>
+            </a:r>
+          </a:p>
+          <a:p>
+            <a:pPr>
+              <a:buFont typeface="Wingdings" panose="05000000000000000000" pitchFamily="2" charset="2"/>
+              <a:buChar char="§"/>
+            </a:pPr>
+            <a:endParaRPr lang="de-DE" sz="2000" dirty="0">
+              <a:ea typeface="Lufthansa Head Global Light" pitchFamily="2" charset="-128"/>
+              <a:cs typeface="Lufthansa Head Global Light" pitchFamily="2" charset="-128"/>
+            </a:endParaRPr>
+          </a:p>
+          <a:p>
+            <a:pPr>
+              <a:buFont typeface="Wingdings" panose="05000000000000000000" pitchFamily="2" charset="2"/>
+              <a:buChar char="§"/>
+            </a:pPr>
+            <a:r>
+              <a:rPr lang="de-DE" sz="2000" dirty="0">
+                <a:ea typeface="Lufthansa Head Global Light" pitchFamily="2" charset="-128"/>
+                <a:cs typeface="Lufthansa Head Global Light" pitchFamily="2" charset="-128"/>
+              </a:rPr>
+              <a:t>Mit Hyperparameter-Optimierung (</a:t>
+            </a:r>
+            <a:r>
+              <a:rPr lang="de-DE" sz="2000" dirty="0" err="1">
+                <a:ea typeface="Lufthansa Head Global Light" pitchFamily="2" charset="-128"/>
+                <a:cs typeface="Lufthansa Head Global Light" pitchFamily="2" charset="-128"/>
+              </a:rPr>
+              <a:t>Grid</a:t>
+            </a:r>
+            <a:r>
+              <a:rPr lang="de-DE" sz="2000" dirty="0">
+                <a:ea typeface="Lufthansa Head Global Light" pitchFamily="2" charset="-128"/>
+                <a:cs typeface="Lufthansa Head Global Light" pitchFamily="2" charset="-128"/>
+              </a:rPr>
+              <a:t> Search) konnten wir nur einen kleinen Einfluss auf die Performance nehmen </a:t>
             </a:r>
           </a:p>
           <a:p>
@@ -37692,118 +37905,20 @@
               <a:buFont typeface="Wingdings" panose="05000000000000000000" pitchFamily="2" charset="2"/>
               <a:buChar char="§"/>
             </a:pPr>
-            <a:r>
-              <a:rPr lang="de-DE" sz="2000" dirty="0">
-                <a:latin typeface="Lufthansa Head Global Light" pitchFamily="2" charset="-128"/>
-                <a:ea typeface="Lufthansa Head Global Light" pitchFamily="2" charset="-128"/>
-                <a:cs typeface="Lufthansa Head Global Light" pitchFamily="2" charset="-128"/>
-              </a:rPr>
-              <a:t>Gradient </a:t>
-            </a:r>
-            <a:r>
-              <a:rPr lang="de-DE" sz="2000" dirty="0" err="1">
-                <a:latin typeface="Lufthansa Head Global Light" pitchFamily="2" charset="-128"/>
-                <a:ea typeface="Lufthansa Head Global Light" pitchFamily="2" charset="-128"/>
-                <a:cs typeface="Lufthansa Head Global Light" pitchFamily="2" charset="-128"/>
-              </a:rPr>
-              <a:t>Boosting</a:t>
-            </a:r>
-            <a:r>
-              <a:rPr lang="de-DE" sz="2000" dirty="0">
-                <a:latin typeface="Lufthansa Head Global Light" pitchFamily="2" charset="-128"/>
-                <a:ea typeface="Lufthansa Head Global Light" pitchFamily="2" charset="-128"/>
-                <a:cs typeface="Lufthansa Head Global Light" pitchFamily="2" charset="-128"/>
-              </a:rPr>
-              <a:t> ähnlich passend und zudem mit weniger </a:t>
-            </a:r>
-            <a:r>
-              <a:rPr lang="de-DE" sz="2000" dirty="0" err="1">
-                <a:latin typeface="Lufthansa Head Global Light" pitchFamily="2" charset="-128"/>
-                <a:ea typeface="Lufthansa Head Global Light" pitchFamily="2" charset="-128"/>
-                <a:cs typeface="Lufthansa Head Global Light" pitchFamily="2" charset="-128"/>
-              </a:rPr>
-              <a:t>Overfitting</a:t>
-            </a:r>
-            <a:r>
-              <a:rPr lang="de-DE" sz="2000" dirty="0">
-                <a:latin typeface="Lufthansa Head Global Light" pitchFamily="2" charset="-128"/>
-                <a:ea typeface="Lufthansa Head Global Light" pitchFamily="2" charset="-128"/>
-                <a:cs typeface="Lufthansa Head Global Light" pitchFamily="2" charset="-128"/>
-              </a:rPr>
-              <a:t> als der Random Forest</a:t>
-            </a:r>
-          </a:p>
-          <a:p>
-            <a:pPr>
-              <a:buFont typeface="Wingdings" panose="05000000000000000000" pitchFamily="2" charset="2"/>
-              <a:buChar char="§"/>
-            </a:pPr>
             <a:endParaRPr lang="de-DE" sz="2000" dirty="0">
               <a:latin typeface="Lufthansa Head Global Light" pitchFamily="2" charset="-128"/>
               <a:ea typeface="Lufthansa Head Global Light" pitchFamily="2" charset="-128"/>
               <a:cs typeface="Lufthansa Head Global Light" pitchFamily="2" charset="-128"/>
             </a:endParaRPr>
           </a:p>
-          <a:p>
-            <a:pPr>
-              <a:buFont typeface="Wingdings" panose="05000000000000000000" pitchFamily="2" charset="2"/>
-              <a:buChar char="§"/>
-            </a:pPr>
-            <a:r>
-              <a:rPr lang="de-DE" sz="2000" dirty="0">
-                <a:latin typeface="Lufthansa Head Global Light" pitchFamily="2" charset="-128"/>
-                <a:ea typeface="Lufthansa Head Global Light" pitchFamily="2" charset="-128"/>
-                <a:cs typeface="Lufthansa Head Global Light" pitchFamily="2" charset="-128"/>
-              </a:rPr>
-              <a:t>Mit Hyperparameter-Optimierung (</a:t>
-            </a:r>
-            <a:r>
-              <a:rPr lang="de-DE" sz="2000" dirty="0" err="1">
-                <a:latin typeface="Lufthansa Head Global Light" pitchFamily="2" charset="-128"/>
-                <a:ea typeface="Lufthansa Head Global Light" pitchFamily="2" charset="-128"/>
-                <a:cs typeface="Lufthansa Head Global Light" pitchFamily="2" charset="-128"/>
-              </a:rPr>
-              <a:t>Grid</a:t>
-            </a:r>
-            <a:r>
-              <a:rPr lang="de-DE" sz="2000" dirty="0">
-                <a:latin typeface="Lufthansa Head Global Light" pitchFamily="2" charset="-128"/>
-                <a:ea typeface="Lufthansa Head Global Light" pitchFamily="2" charset="-128"/>
-                <a:cs typeface="Lufthansa Head Global Light" pitchFamily="2" charset="-128"/>
-              </a:rPr>
-              <a:t> Search) konnten wir nur einen kleinen Einfluss auf die Performance nehmen </a:t>
-            </a:r>
-          </a:p>
-          <a:p>
-            <a:pPr>
-              <a:buFont typeface="Wingdings" panose="05000000000000000000" pitchFamily="2" charset="2"/>
-              <a:buChar char="§"/>
-            </a:pPr>
-            <a:endParaRPr lang="de-DE" sz="2000" dirty="0">
-              <a:latin typeface="Lufthansa Head Global Light" pitchFamily="2" charset="-128"/>
-              <a:ea typeface="Lufthansa Head Global Light" pitchFamily="2" charset="-128"/>
-              <a:cs typeface="Lufthansa Head Global Light" pitchFamily="2" charset="-128"/>
-            </a:endParaRPr>
-          </a:p>
-          <a:p>
-            <a:pPr>
-              <a:buFont typeface="Wingdings" panose="05000000000000000000" pitchFamily="2" charset="2"/>
-              <a:buChar char="§"/>
-            </a:pPr>
-            <a:endParaRPr lang="de-DE" sz="2000" dirty="0">
-              <a:latin typeface="Lufthansa Head Global Light" pitchFamily="2" charset="-128"/>
-              <a:ea typeface="Lufthansa Head Global Light" pitchFamily="2" charset="-128"/>
-              <a:cs typeface="Lufthansa Head Global Light" pitchFamily="2" charset="-128"/>
-            </a:endParaRPr>
-          </a:p>
         </p:txBody>
       </p:sp>
       <p:pic>
         <p:nvPicPr>
-          <p:cNvPr id="6" name="Grafik 5">
-            <a:extLst>
-              <a:ext uri="{FF2B5EF4-FFF2-40B4-BE49-F238E27FC236}">
-                <a16:creationId xmlns:a16="http://schemas.microsoft.com/office/drawing/2014/main" id="{F43D9722-A369-462B-9DE4-74C803C965AD}"/>
+          <p:cNvPr id="7" name="Grafik 6">
+            <a:extLst>
+              <a:ext uri="{FF2B5EF4-FFF2-40B4-BE49-F238E27FC236}">
+                <a16:creationId xmlns:a16="http://schemas.microsoft.com/office/drawing/2014/main" id="{536EBEC8-BA84-4823-AF46-714CDAF49185}"/>
               </a:ext>
             </a:extLst>
           </p:cNvPr>
@@ -37820,8 +37935,8 @@
         </p:blipFill>
         <p:spPr>
           <a:xfrm>
-            <a:off x="6955525" y="1870030"/>
-            <a:ext cx="4563375" cy="3394075"/>
+            <a:off x="7373536" y="1652315"/>
+            <a:ext cx="4078235" cy="3323006"/>
           </a:xfrm>
           <a:prstGeom prst="rect">
             <a:avLst/>
@@ -37838,6 +37953,81 @@
           </a:effectLst>
         </p:spPr>
       </p:pic>
+      <p:pic>
+        <p:nvPicPr>
+          <p:cNvPr id="9" name="Grafik 8">
+            <a:extLst>
+              <a:ext uri="{FF2B5EF4-FFF2-40B4-BE49-F238E27FC236}">
+                <a16:creationId xmlns:a16="http://schemas.microsoft.com/office/drawing/2014/main" id="{1B704F48-DE77-41BA-B72E-895F3FAA8B0A}"/>
+              </a:ext>
+            </a:extLst>
+          </p:cNvPr>
+          <p:cNvPicPr>
+            <a:picLocks noChangeAspect="1"/>
+          </p:cNvPicPr>
+          <p:nvPr/>
+        </p:nvPicPr>
+        <p:blipFill>
+          <a:blip r:embed="rId3"/>
+          <a:stretch>
+            <a:fillRect/>
+          </a:stretch>
+        </p:blipFill>
+        <p:spPr>
+          <a:xfrm>
+            <a:off x="7373536" y="5420444"/>
+            <a:ext cx="4078235" cy="517871"/>
+          </a:xfrm>
+          <a:prstGeom prst="rect">
+            <a:avLst/>
+          </a:prstGeom>
+          <a:ln>
+            <a:noFill/>
+          </a:ln>
+          <a:effectLst>
+            <a:outerShdw blurRad="292100" dist="139700" dir="2700000" algn="tl" rotWithShape="0">
+              <a:srgbClr val="333333">
+                <a:alpha val="65000"/>
+              </a:srgbClr>
+            </a:outerShdw>
+          </a:effectLst>
+        </p:spPr>
+      </p:pic>
+      <p:sp>
+        <p:nvSpPr>
+          <p:cNvPr id="10" name="Textfeld 9">
+            <a:extLst>
+              <a:ext uri="{FF2B5EF4-FFF2-40B4-BE49-F238E27FC236}">
+                <a16:creationId xmlns:a16="http://schemas.microsoft.com/office/drawing/2014/main" id="{17F8CF41-5776-4365-8806-FFDDD1B22D94}"/>
+              </a:ext>
+            </a:extLst>
+          </p:cNvPr>
+          <p:cNvSpPr txBox="1"/>
+          <p:nvPr/>
+        </p:nvSpPr>
+        <p:spPr>
+          <a:xfrm>
+            <a:off x="7373536" y="5051112"/>
+            <a:ext cx="2163862" cy="369332"/>
+          </a:xfrm>
+          <a:prstGeom prst="rect">
+            <a:avLst/>
+          </a:prstGeom>
+          <a:noFill/>
+        </p:spPr>
+        <p:txBody>
+          <a:bodyPr wrap="none" rtlCol="0">
+            <a:spAutoFit/>
+          </a:bodyPr>
+          <a:lstStyle/>
+          <a:p>
+            <a:r>
+              <a:rPr lang="de-DE" dirty="0"/>
+              <a:t>Example Predictions: </a:t>
+            </a:r>
+          </a:p>
+        </p:txBody>
+      </p:sp>
     </p:spTree>
     <p:extLst>
       <p:ext uri="{BB962C8B-B14F-4D97-AF65-F5344CB8AC3E}">
@@ -38616,8 +38806,8 @@
         </p:nvSpPr>
         <p:spPr>
           <a:xfrm>
-            <a:off x="1141413" y="618518"/>
-            <a:ext cx="9905998" cy="1478570"/>
+            <a:off x="383768" y="60960"/>
+            <a:ext cx="2820987" cy="1367246"/>
           </a:xfrm>
         </p:spPr>
         <p:txBody>
@@ -38628,14 +38818,12 @@
           <a:p>
             <a:r>
               <a:rPr lang="de-DE" dirty="0" err="1">
-                <a:latin typeface="Lufthansa Head Global Bold" pitchFamily="2" charset="-128"/>
                 <a:ea typeface="Lufthansa Head Global Bold" pitchFamily="2" charset="-128"/>
                 <a:cs typeface="Lufthansa Head Global Bold" pitchFamily="2" charset="-128"/>
               </a:rPr>
               <a:t>Introduction</a:t>
             </a:r>
             <a:endParaRPr lang="de-DE" dirty="0">
-              <a:latin typeface="Lufthansa Head Global Bold" pitchFamily="2" charset="-128"/>
               <a:ea typeface="Lufthansa Head Global Bold" pitchFamily="2" charset="-128"/>
               <a:cs typeface="Lufthansa Head Global Bold" pitchFamily="2" charset="-128"/>
             </a:endParaRPr>
@@ -38660,7 +38848,7 @@
         </p:nvSpPr>
         <p:spPr>
           <a:xfrm>
-            <a:off x="1530838" y="2679493"/>
+            <a:off x="1661466" y="2183105"/>
             <a:ext cx="3359765" cy="3541714"/>
           </a:xfrm>
         </p:spPr>
@@ -38779,58 +38967,6 @@
       </p:sp>
       <p:sp>
         <p:nvSpPr>
-          <p:cNvPr id="7" name="Rechteck 6">
-            <a:extLst>
-              <a:ext uri="{FF2B5EF4-FFF2-40B4-BE49-F238E27FC236}">
-                <a16:creationId xmlns:a16="http://schemas.microsoft.com/office/drawing/2014/main" id="{6FA577BD-3196-4260-999C-AD991D0F00B9}"/>
-              </a:ext>
-            </a:extLst>
-          </p:cNvPr>
-          <p:cNvSpPr/>
-          <p:nvPr/>
-        </p:nvSpPr>
-        <p:spPr>
-          <a:xfrm>
-            <a:off x="1206500" y="1635125"/>
-            <a:ext cx="6905113" cy="45719"/>
-          </a:xfrm>
-          <a:prstGeom prst="rect">
-            <a:avLst/>
-          </a:prstGeom>
-          <a:solidFill>
-            <a:schemeClr val="tx1"/>
-          </a:solidFill>
-          <a:ln>
-            <a:noFill/>
-          </a:ln>
-        </p:spPr>
-        <p:style>
-          <a:lnRef idx="2">
-            <a:schemeClr val="accent1">
-              <a:shade val="50000"/>
-            </a:schemeClr>
-          </a:lnRef>
-          <a:fillRef idx="1">
-            <a:schemeClr val="accent1"/>
-          </a:fillRef>
-          <a:effectRef idx="0">
-            <a:schemeClr val="accent1"/>
-          </a:effectRef>
-          <a:fontRef idx="minor">
-            <a:schemeClr val="lt1"/>
-          </a:fontRef>
-        </p:style>
-        <p:txBody>
-          <a:bodyPr rtlCol="0" anchor="ctr"/>
-          <a:lstStyle/>
-          <a:p>
-            <a:pPr algn="ctr"/>
-            <a:endParaRPr lang="de-DE"/>
-          </a:p>
-        </p:txBody>
-      </p:sp>
-      <p:sp>
-        <p:nvSpPr>
           <p:cNvPr id="50" name="Inhaltsplatzhalter 2">
             <a:extLst>
               <a:ext uri="{FF2B5EF4-FFF2-40B4-BE49-F238E27FC236}">
@@ -38845,7 +38981,7 @@
         </p:nvSpPr>
         <p:spPr>
           <a:xfrm>
-            <a:off x="7301397" y="2679493"/>
+            <a:off x="7432025" y="2183105"/>
             <a:ext cx="3359765" cy="3541714"/>
           </a:xfrm>
           <a:prstGeom prst="rect">
@@ -39140,7 +39276,7 @@
         </p:nvSpPr>
         <p:spPr>
           <a:xfrm>
-            <a:off x="5187724" y="3966514"/>
+            <a:off x="5222557" y="3504960"/>
             <a:ext cx="1512059" cy="529295"/>
           </a:xfrm>
           <a:prstGeom prst="leftRightArrow">

--- a/project_presentation_Insight_Explorers.pptx
+++ b/project_presentation_Insight_Explorers.pptx
@@ -1142,7 +1142,7 @@
 <dgm:dataModel xmlns:dgm="http://schemas.openxmlformats.org/drawingml/2006/diagram" xmlns:a="http://schemas.openxmlformats.org/drawingml/2006/main">
   <dgm:ptLst>
     <dgm:pt modelId="{06838E05-DADB-4FF9-9BB8-6A39ABFDD97C}" type="doc">
-      <dgm:prSet loTypeId="urn:microsoft.com/office/officeart/2005/8/layout/vList2" loCatId="list" qsTypeId="urn:microsoft.com/office/officeart/2005/8/quickstyle/simple1" qsCatId="simple" csTypeId="urn:microsoft.com/office/officeart/2005/8/colors/accent3_2" csCatId="accent3"/>
+      <dgm:prSet loTypeId="urn:microsoft.com/office/officeart/2005/8/layout/default" loCatId="list" qsTypeId="urn:microsoft.com/office/officeart/2005/8/quickstyle/simple1" qsCatId="simple" csTypeId="urn:microsoft.com/office/officeart/2005/8/colors/accent3_2" csCatId="accent3"/>
       <dgm:spPr/>
       <dgm:t>
         <a:bodyPr/>
@@ -1295,45 +1295,42 @@
         </a:p>
       </dgm:t>
     </dgm:pt>
-    <dgm:pt modelId="{D5243E09-5470-485C-BA6E-7DEA3376BAEE}" type="pres">
-      <dgm:prSet presAssocID="{06838E05-DADB-4FF9-9BB8-6A39ABFDD97C}" presName="linear" presStyleCnt="0">
+    <dgm:pt modelId="{A4082BF8-AFAD-47E5-9A46-283B164F0E2C}" type="pres">
+      <dgm:prSet presAssocID="{06838E05-DADB-4FF9-9BB8-6A39ABFDD97C}" presName="diagram" presStyleCnt="0">
         <dgm:presLayoutVars>
-          <dgm:animLvl val="lvl"/>
+          <dgm:dir/>
           <dgm:resizeHandles val="exact"/>
         </dgm:presLayoutVars>
       </dgm:prSet>
       <dgm:spPr/>
     </dgm:pt>
-    <dgm:pt modelId="{33E58E62-B672-48DE-93CE-8784CA76CEB7}" type="pres">
-      <dgm:prSet presAssocID="{13B498BC-C16B-43FC-BF9A-BBB06E388D82}" presName="parentText" presStyleLbl="node1" presStyleIdx="0" presStyleCnt="3">
+    <dgm:pt modelId="{8BF93BE4-05E9-465B-B5EF-0BD4EEC5DEAC}" type="pres">
+      <dgm:prSet presAssocID="{13B498BC-C16B-43FC-BF9A-BBB06E388D82}" presName="node" presStyleLbl="node1" presStyleIdx="0" presStyleCnt="3">
         <dgm:presLayoutVars>
-          <dgm:chMax val="0"/>
           <dgm:bulletEnabled val="1"/>
         </dgm:presLayoutVars>
       </dgm:prSet>
       <dgm:spPr/>
     </dgm:pt>
-    <dgm:pt modelId="{4866139E-0DFF-4C9E-95BE-D02E0F65B2D9}" type="pres">
-      <dgm:prSet presAssocID="{BB7D11E9-82F9-4D76-A70D-CFAE6F2A6388}" presName="spacer" presStyleCnt="0"/>
+    <dgm:pt modelId="{EACC1EB9-A294-4BC5-82A5-85210074E145}" type="pres">
+      <dgm:prSet presAssocID="{BB7D11E9-82F9-4D76-A70D-CFAE6F2A6388}" presName="sibTrans" presStyleCnt="0"/>
       <dgm:spPr/>
     </dgm:pt>
-    <dgm:pt modelId="{DEE89272-6CCC-46B2-8665-28CA62E5A029}" type="pres">
-      <dgm:prSet presAssocID="{3594FCE0-4629-4EAA-93BA-38794D37526F}" presName="parentText" presStyleLbl="node1" presStyleIdx="1" presStyleCnt="3">
+    <dgm:pt modelId="{CDCC755E-4AFB-445A-9D57-9BC527ACD621}" type="pres">
+      <dgm:prSet presAssocID="{3594FCE0-4629-4EAA-93BA-38794D37526F}" presName="node" presStyleLbl="node1" presStyleIdx="1" presStyleCnt="3">
         <dgm:presLayoutVars>
-          <dgm:chMax val="0"/>
           <dgm:bulletEnabled val="1"/>
         </dgm:presLayoutVars>
       </dgm:prSet>
       <dgm:spPr/>
     </dgm:pt>
-    <dgm:pt modelId="{D15D45C1-C27A-44CF-BE21-27F01040621B}" type="pres">
-      <dgm:prSet presAssocID="{B265B394-1492-46B5-871E-7656A4ADB82B}" presName="spacer" presStyleCnt="0"/>
+    <dgm:pt modelId="{4D2D1CF7-C479-459C-969C-74A407949281}" type="pres">
+      <dgm:prSet presAssocID="{B265B394-1492-46B5-871E-7656A4ADB82B}" presName="sibTrans" presStyleCnt="0"/>
       <dgm:spPr/>
     </dgm:pt>
-    <dgm:pt modelId="{88540A0A-BB5B-49B3-8CC8-CE00D1D28B61}" type="pres">
-      <dgm:prSet presAssocID="{93E6B3DD-EE64-4266-93EB-9C2ECC2728D6}" presName="parentText" presStyleLbl="node1" presStyleIdx="2" presStyleCnt="3">
+    <dgm:pt modelId="{F71D846B-364C-43E6-9196-E774BAA84680}" type="pres">
+      <dgm:prSet presAssocID="{93E6B3DD-EE64-4266-93EB-9C2ECC2728D6}" presName="node" presStyleLbl="node1" presStyleIdx="2" presStyleCnt="3">
         <dgm:presLayoutVars>
-          <dgm:chMax val="0"/>
           <dgm:bulletEnabled val="1"/>
         </dgm:presLayoutVars>
       </dgm:prSet>
@@ -1342,17 +1339,17 @@
   </dgm:ptLst>
   <dgm:cxnLst>
     <dgm:cxn modelId="{974B3A00-E07F-4B8E-9AFE-04F06904CC83}" srcId="{06838E05-DADB-4FF9-9BB8-6A39ABFDD97C}" destId="{3594FCE0-4629-4EAA-93BA-38794D37526F}" srcOrd="1" destOrd="0" parTransId="{726F6565-E0E3-4700-B5D5-0D9E65B5BBD2}" sibTransId="{B265B394-1492-46B5-871E-7656A4ADB82B}"/>
-    <dgm:cxn modelId="{23357E23-0399-47ED-8A2C-391C09CDC02C}" type="presOf" srcId="{93E6B3DD-EE64-4266-93EB-9C2ECC2728D6}" destId="{88540A0A-BB5B-49B3-8CC8-CE00D1D28B61}" srcOrd="0" destOrd="0" presId="urn:microsoft.com/office/officeart/2005/8/layout/vList2"/>
-    <dgm:cxn modelId="{00A4A43B-8BF9-4E45-A27D-B747C8D04CC3}" type="presOf" srcId="{13B498BC-C16B-43FC-BF9A-BBB06E388D82}" destId="{33E58E62-B672-48DE-93CE-8784CA76CEB7}" srcOrd="0" destOrd="0" presId="urn:microsoft.com/office/officeart/2005/8/layout/vList2"/>
-    <dgm:cxn modelId="{4D03E25B-8C32-49E8-B29D-ADA51853B81F}" type="presOf" srcId="{06838E05-DADB-4FF9-9BB8-6A39ABFDD97C}" destId="{D5243E09-5470-485C-BA6E-7DEA3376BAEE}" srcOrd="0" destOrd="0" presId="urn:microsoft.com/office/officeart/2005/8/layout/vList2"/>
+    <dgm:cxn modelId="{9F2C2867-D1DC-4DFE-865B-E7DA6F9BA1F1}" type="presOf" srcId="{13B498BC-C16B-43FC-BF9A-BBB06E388D82}" destId="{8BF93BE4-05E9-465B-B5EF-0BD4EEC5DEAC}" srcOrd="0" destOrd="0" presId="urn:microsoft.com/office/officeart/2005/8/layout/default"/>
+    <dgm:cxn modelId="{C7473A86-9BF2-4B92-80D7-3AC1F8476642}" type="presOf" srcId="{06838E05-DADB-4FF9-9BB8-6A39ABFDD97C}" destId="{A4082BF8-AFAD-47E5-9A46-283B164F0E2C}" srcOrd="0" destOrd="0" presId="urn:microsoft.com/office/officeart/2005/8/layout/default"/>
+    <dgm:cxn modelId="{FBEEB5B1-533D-4D95-AE78-E6ED40BE591E}" type="presOf" srcId="{93E6B3DD-EE64-4266-93EB-9C2ECC2728D6}" destId="{F71D846B-364C-43E6-9196-E774BAA84680}" srcOrd="0" destOrd="0" presId="urn:microsoft.com/office/officeart/2005/8/layout/default"/>
     <dgm:cxn modelId="{3373F8B1-F02A-4E7E-B1C5-FE042CA62B8F}" srcId="{06838E05-DADB-4FF9-9BB8-6A39ABFDD97C}" destId="{13B498BC-C16B-43FC-BF9A-BBB06E388D82}" srcOrd="0" destOrd="0" parTransId="{F097EA17-F3EC-4214-83BC-25B7F8E55B2C}" sibTransId="{BB7D11E9-82F9-4D76-A70D-CFAE6F2A6388}"/>
+    <dgm:cxn modelId="{72A8F7C3-E0E6-44D9-BC2E-B34FD7A91234}" type="presOf" srcId="{3594FCE0-4629-4EAA-93BA-38794D37526F}" destId="{CDCC755E-4AFB-445A-9D57-9BC527ACD621}" srcOrd="0" destOrd="0" presId="urn:microsoft.com/office/officeart/2005/8/layout/default"/>
     <dgm:cxn modelId="{BF2AC8D9-FDBB-4336-9701-632D35DBB46E}" srcId="{06838E05-DADB-4FF9-9BB8-6A39ABFDD97C}" destId="{93E6B3DD-EE64-4266-93EB-9C2ECC2728D6}" srcOrd="2" destOrd="0" parTransId="{5814A409-D501-4172-A46C-0E2B54851E1F}" sibTransId="{B33DD624-3587-4309-8A99-4856224A45A2}"/>
-    <dgm:cxn modelId="{826342FC-1824-4353-A04F-3DDA7D5FE8BC}" type="presOf" srcId="{3594FCE0-4629-4EAA-93BA-38794D37526F}" destId="{DEE89272-6CCC-46B2-8665-28CA62E5A029}" srcOrd="0" destOrd="0" presId="urn:microsoft.com/office/officeart/2005/8/layout/vList2"/>
-    <dgm:cxn modelId="{7015DFFB-C6C9-4D61-A3F5-706DDD3574F4}" type="presParOf" srcId="{D5243E09-5470-485C-BA6E-7DEA3376BAEE}" destId="{33E58E62-B672-48DE-93CE-8784CA76CEB7}" srcOrd="0" destOrd="0" presId="urn:microsoft.com/office/officeart/2005/8/layout/vList2"/>
-    <dgm:cxn modelId="{2C960141-7799-4216-AF71-E09B8D9DA484}" type="presParOf" srcId="{D5243E09-5470-485C-BA6E-7DEA3376BAEE}" destId="{4866139E-0DFF-4C9E-95BE-D02E0F65B2D9}" srcOrd="1" destOrd="0" presId="urn:microsoft.com/office/officeart/2005/8/layout/vList2"/>
-    <dgm:cxn modelId="{533E2955-A2E4-44FC-A01A-5BFE8D360A95}" type="presParOf" srcId="{D5243E09-5470-485C-BA6E-7DEA3376BAEE}" destId="{DEE89272-6CCC-46B2-8665-28CA62E5A029}" srcOrd="2" destOrd="0" presId="urn:microsoft.com/office/officeart/2005/8/layout/vList2"/>
-    <dgm:cxn modelId="{4F98A6ED-3403-435D-99A2-2F1173304B39}" type="presParOf" srcId="{D5243E09-5470-485C-BA6E-7DEA3376BAEE}" destId="{D15D45C1-C27A-44CF-BE21-27F01040621B}" srcOrd="3" destOrd="0" presId="urn:microsoft.com/office/officeart/2005/8/layout/vList2"/>
-    <dgm:cxn modelId="{EE5CB45F-4EF5-4BCF-8913-723E83506FCF}" type="presParOf" srcId="{D5243E09-5470-485C-BA6E-7DEA3376BAEE}" destId="{88540A0A-BB5B-49B3-8CC8-CE00D1D28B61}" srcOrd="4" destOrd="0" presId="urn:microsoft.com/office/officeart/2005/8/layout/vList2"/>
+    <dgm:cxn modelId="{7DA9B7F2-1DC7-432C-BC13-93DBD7FFFDE1}" type="presParOf" srcId="{A4082BF8-AFAD-47E5-9A46-283B164F0E2C}" destId="{8BF93BE4-05E9-465B-B5EF-0BD4EEC5DEAC}" srcOrd="0" destOrd="0" presId="urn:microsoft.com/office/officeart/2005/8/layout/default"/>
+    <dgm:cxn modelId="{6E1873A5-03E4-4F94-AA7A-3F0CA93C3C8D}" type="presParOf" srcId="{A4082BF8-AFAD-47E5-9A46-283B164F0E2C}" destId="{EACC1EB9-A294-4BC5-82A5-85210074E145}" srcOrd="1" destOrd="0" presId="urn:microsoft.com/office/officeart/2005/8/layout/default"/>
+    <dgm:cxn modelId="{8EF89771-284D-4D08-B6F3-4223069C0638}" type="presParOf" srcId="{A4082BF8-AFAD-47E5-9A46-283B164F0E2C}" destId="{CDCC755E-4AFB-445A-9D57-9BC527ACD621}" srcOrd="2" destOrd="0" presId="urn:microsoft.com/office/officeart/2005/8/layout/default"/>
+    <dgm:cxn modelId="{801F499F-C892-4127-A2D3-650809D536E2}" type="presParOf" srcId="{A4082BF8-AFAD-47E5-9A46-283B164F0E2C}" destId="{4D2D1CF7-C479-459C-969C-74A407949281}" srcOrd="3" destOrd="0" presId="urn:microsoft.com/office/officeart/2005/8/layout/default"/>
+    <dgm:cxn modelId="{D6941C23-07DD-4503-B016-A010AEB3DA10}" type="presParOf" srcId="{A4082BF8-AFAD-47E5-9A46-283B164F0E2C}" destId="{F71D846B-364C-43E6-9196-E774BAA84680}" srcOrd="4" destOrd="0" presId="urn:microsoft.com/office/officeart/2005/8/layout/default"/>
   </dgm:cxnLst>
   <dgm:bg/>
   <dgm:whole/>
@@ -1372,17 +1369,17 @@
       <dsp:cNvGrpSpPr/>
     </dsp:nvGrpSpPr>
     <dsp:grpSpPr/>
-    <dsp:sp modelId="{33E58E62-B672-48DE-93CE-8784CA76CEB7}">
+    <dsp:sp modelId="{8BF93BE4-05E9-465B-B5EF-0BD4EEC5DEAC}">
       <dsp:nvSpPr>
         <dsp:cNvPr id="0" name=""/>
         <dsp:cNvSpPr/>
       </dsp:nvSpPr>
       <dsp:spPr>
         <a:xfrm>
-          <a:off x="0" y="661638"/>
-          <a:ext cx="5657664" cy="1034280"/>
+          <a:off x="690" y="537184"/>
+          <a:ext cx="2693467" cy="1616080"/>
         </a:xfrm>
-        <a:prstGeom prst="roundRect">
+        <a:prstGeom prst="rect">
           <a:avLst/>
         </a:prstGeom>
         <a:solidFill>
@@ -1422,12 +1419,12 @@
         </a:fontRef>
       </dsp:style>
       <dsp:txBody>
-        <a:bodyPr spcFirstLastPara="0" vert="horz" wrap="square" lIns="99060" tIns="99060" rIns="99060" bIns="99060" numCol="1" spcCol="1270" anchor="ctr" anchorCtr="0">
+        <a:bodyPr spcFirstLastPara="0" vert="horz" wrap="square" lIns="83820" tIns="83820" rIns="83820" bIns="83820" numCol="1" spcCol="1270" anchor="ctr" anchorCtr="0">
           <a:noAutofit/>
         </a:bodyPr>
         <a:lstStyle/>
         <a:p>
-          <a:pPr marL="0" lvl="0" indent="0" algn="l" defTabSz="1155700">
+          <a:pPr marL="0" lvl="0" indent="0" algn="ctr" defTabSz="977900">
             <a:lnSpc>
               <a:spcPct val="90000"/>
             </a:lnSpc>
@@ -1440,52 +1437,52 @@
             <a:buNone/>
           </a:pPr>
           <a:r>
-            <a:rPr lang="de-DE" sz="2600" kern="1200" dirty="0"/>
+            <a:rPr lang="de-DE" sz="2200" kern="1200" dirty="0"/>
             <a:t>Methoden </a:t>
           </a:r>
           <a:r>
-            <a:rPr lang="de-DE" sz="2600" i="1" kern="1200" dirty="0" err="1"/>
+            <a:rPr lang="de-DE" sz="2200" i="1" kern="1200" dirty="0" err="1"/>
             <a:t>info</a:t>
           </a:r>
           <a:r>
-            <a:rPr lang="de-DE" sz="2600" i="1" kern="1200" dirty="0"/>
+            <a:rPr lang="de-DE" sz="2200" i="1" kern="1200" dirty="0"/>
             <a:t>() </a:t>
           </a:r>
           <a:r>
-            <a:rPr lang="de-DE" sz="2600" kern="1200" dirty="0"/>
+            <a:rPr lang="de-DE" sz="2200" kern="1200" dirty="0"/>
             <a:t>und </a:t>
           </a:r>
           <a:r>
-            <a:rPr lang="de-DE" sz="2600" i="1" kern="1200" dirty="0" err="1"/>
+            <a:rPr lang="de-DE" sz="2200" i="1" kern="1200" dirty="0" err="1"/>
             <a:t>describe</a:t>
           </a:r>
           <a:r>
-            <a:rPr lang="de-DE" sz="2600" i="1" kern="1200" dirty="0"/>
+            <a:rPr lang="de-DE" sz="2200" i="1" kern="1200" dirty="0"/>
             <a:t>() </a:t>
           </a:r>
           <a:r>
-            <a:rPr lang="de-DE" sz="2600" kern="1200" dirty="0"/>
+            <a:rPr lang="de-DE" sz="2200" kern="1200" dirty="0"/>
             <a:t>für schnelle Beschreibung des Datensatzes</a:t>
           </a:r>
-          <a:endParaRPr lang="en-US" sz="2600" kern="1200" dirty="0"/>
+          <a:endParaRPr lang="en-US" sz="2200" kern="1200" dirty="0"/>
         </a:p>
       </dsp:txBody>
       <dsp:txXfrm>
-        <a:off x="50489" y="712127"/>
-        <a:ext cx="5556686" cy="933302"/>
+        <a:off x="690" y="537184"/>
+        <a:ext cx="2693467" cy="1616080"/>
       </dsp:txXfrm>
     </dsp:sp>
-    <dsp:sp modelId="{DEE89272-6CCC-46B2-8665-28CA62E5A029}">
+    <dsp:sp modelId="{CDCC755E-4AFB-445A-9D57-9BC527ACD621}">
       <dsp:nvSpPr>
         <dsp:cNvPr id="0" name=""/>
         <dsp:cNvSpPr/>
       </dsp:nvSpPr>
       <dsp:spPr>
         <a:xfrm>
-          <a:off x="0" y="1770798"/>
-          <a:ext cx="5657664" cy="1034280"/>
+          <a:off x="2963505" y="537184"/>
+          <a:ext cx="2693467" cy="1616080"/>
         </a:xfrm>
-        <a:prstGeom prst="roundRect">
+        <a:prstGeom prst="rect">
           <a:avLst/>
         </a:prstGeom>
         <a:solidFill>
@@ -1525,12 +1522,12 @@
         </a:fontRef>
       </dsp:style>
       <dsp:txBody>
-        <a:bodyPr spcFirstLastPara="0" vert="horz" wrap="square" lIns="99060" tIns="99060" rIns="99060" bIns="99060" numCol="1" spcCol="1270" anchor="ctr" anchorCtr="0">
+        <a:bodyPr spcFirstLastPara="0" vert="horz" wrap="square" lIns="83820" tIns="83820" rIns="83820" bIns="83820" numCol="1" spcCol="1270" anchor="ctr" anchorCtr="0">
           <a:noAutofit/>
         </a:bodyPr>
         <a:lstStyle/>
         <a:p>
-          <a:pPr marL="0" lvl="0" indent="0" algn="l" defTabSz="1155700">
+          <a:pPr marL="0" lvl="0" indent="0" algn="ctr" defTabSz="977900">
             <a:lnSpc>
               <a:spcPct val="90000"/>
             </a:lnSpc>
@@ -1543,28 +1540,28 @@
             <a:buNone/>
           </a:pPr>
           <a:r>
-            <a:rPr lang="de-DE" sz="2600" kern="1200" dirty="0"/>
+            <a:rPr lang="de-DE" sz="2200" kern="1200" dirty="0"/>
             <a:t>Plotten von Histogrammen</a:t>
           </a:r>
-          <a:endParaRPr lang="en-US" sz="2600" kern="1200" dirty="0"/>
+          <a:endParaRPr lang="en-US" sz="2200" kern="1200" dirty="0"/>
         </a:p>
       </dsp:txBody>
       <dsp:txXfrm>
-        <a:off x="50489" y="1821287"/>
-        <a:ext cx="5556686" cy="933302"/>
+        <a:off x="2963505" y="537184"/>
+        <a:ext cx="2693467" cy="1616080"/>
       </dsp:txXfrm>
     </dsp:sp>
-    <dsp:sp modelId="{88540A0A-BB5B-49B3-8CC8-CE00D1D28B61}">
+    <dsp:sp modelId="{F71D846B-364C-43E6-9196-E774BAA84680}">
       <dsp:nvSpPr>
         <dsp:cNvPr id="0" name=""/>
         <dsp:cNvSpPr/>
       </dsp:nvSpPr>
       <dsp:spPr>
         <a:xfrm>
-          <a:off x="0" y="2879958"/>
-          <a:ext cx="5657664" cy="1034280"/>
+          <a:off x="1482098" y="2422611"/>
+          <a:ext cx="2693467" cy="1616080"/>
         </a:xfrm>
-        <a:prstGeom prst="roundRect">
+        <a:prstGeom prst="rect">
           <a:avLst/>
         </a:prstGeom>
         <a:solidFill>
@@ -1604,12 +1601,12 @@
         </a:fontRef>
       </dsp:style>
       <dsp:txBody>
-        <a:bodyPr spcFirstLastPara="0" vert="horz" wrap="square" lIns="99060" tIns="99060" rIns="99060" bIns="99060" numCol="1" spcCol="1270" anchor="ctr" anchorCtr="0">
+        <a:bodyPr spcFirstLastPara="0" vert="horz" wrap="square" lIns="83820" tIns="83820" rIns="83820" bIns="83820" numCol="1" spcCol="1270" anchor="ctr" anchorCtr="0">
           <a:noAutofit/>
         </a:bodyPr>
         <a:lstStyle/>
         <a:p>
-          <a:pPr marL="0" lvl="0" indent="0" algn="l" defTabSz="1155700">
+          <a:pPr marL="0" lvl="0" indent="0" algn="ctr" defTabSz="977900">
             <a:lnSpc>
               <a:spcPct val="90000"/>
             </a:lnSpc>
@@ -1622,23 +1619,23 @@
             <a:buNone/>
           </a:pPr>
           <a:r>
-            <a:rPr lang="de-DE" sz="2600" kern="1200" dirty="0"/>
+            <a:rPr lang="de-DE" sz="2200" kern="1200" dirty="0"/>
             <a:t>Suche nach Korrelationen mit </a:t>
           </a:r>
           <a:r>
-            <a:rPr lang="de-DE" sz="2600" i="1" kern="1200" dirty="0" err="1"/>
+            <a:rPr lang="de-DE" sz="2200" i="1" kern="1200" dirty="0" err="1"/>
             <a:t>corr</a:t>
           </a:r>
           <a:r>
-            <a:rPr lang="de-DE" sz="2600" i="1" kern="1200" dirty="0"/>
+            <a:rPr lang="de-DE" sz="2200" i="1" kern="1200" dirty="0"/>
             <a:t>()</a:t>
           </a:r>
-          <a:endParaRPr lang="en-US" sz="2600" kern="1200" dirty="0"/>
+          <a:endParaRPr lang="en-US" sz="2200" kern="1200" dirty="0"/>
         </a:p>
       </dsp:txBody>
       <dsp:txXfrm>
-        <a:off x="50489" y="2930447"/>
-        <a:ext cx="5556686" cy="933302"/>
+        <a:off x="1482098" y="2422611"/>
+        <a:ext cx="2693467" cy="1616080"/>
       </dsp:txXfrm>
     </dsp:sp>
   </dsp:spTree>
@@ -1646,12 +1643,11 @@
 </file>
 
 <file path=ppt/diagrams/layout1.xml><?xml version="1.0" encoding="utf-8"?>
-<dgm:layoutDef xmlns:dgm="http://schemas.openxmlformats.org/drawingml/2006/diagram" xmlns:a="http://schemas.openxmlformats.org/drawingml/2006/main" uniqueId="urn:microsoft.com/office/officeart/2005/8/layout/vList2">
+<dgm:layoutDef xmlns:dgm="http://schemas.openxmlformats.org/drawingml/2006/diagram" xmlns:a="http://schemas.openxmlformats.org/drawingml/2006/main" uniqueId="urn:microsoft.com/office/officeart/2005/8/layout/default">
   <dgm:title val=""/>
   <dgm:desc val=""/>
   <dgm:catLst>
-    <dgm:cat type="list" pri="3000"/>
-    <dgm:cat type="convert" pri="1000"/>
+    <dgm:cat type="list" pri="400"/>
   </dgm:catLst>
   <dgm:sampData>
     <dgm:dataModel>
@@ -1660,21 +1656,25 @@
         <dgm:pt modelId="1">
           <dgm:prSet phldr="1"/>
         </dgm:pt>
-        <dgm:pt modelId="11">
-          <dgm:prSet phldr="1"/>
-        </dgm:pt>
         <dgm:pt modelId="2">
           <dgm:prSet phldr="1"/>
         </dgm:pt>
-        <dgm:pt modelId="21">
+        <dgm:pt modelId="3">
+          <dgm:prSet phldr="1"/>
+        </dgm:pt>
+        <dgm:pt modelId="4">
+          <dgm:prSet phldr="1"/>
+        </dgm:pt>
+        <dgm:pt modelId="5">
           <dgm:prSet phldr="1"/>
         </dgm:pt>
       </dgm:ptLst>
       <dgm:cxnLst>
-        <dgm:cxn modelId="4" srcId="0" destId="1" srcOrd="0" destOrd="0"/>
-        <dgm:cxn modelId="5" srcId="0" destId="2" srcOrd="1" destOrd="0"/>
-        <dgm:cxn modelId="12" srcId="1" destId="11" srcOrd="0" destOrd="0"/>
-        <dgm:cxn modelId="23" srcId="2" destId="21" srcOrd="0" destOrd="0"/>
+        <dgm:cxn modelId="6" srcId="0" destId="1" srcOrd="0" destOrd="0"/>
+        <dgm:cxn modelId="7" srcId="0" destId="2" srcOrd="1" destOrd="0"/>
+        <dgm:cxn modelId="8" srcId="0" destId="3" srcOrd="2" destOrd="0"/>
+        <dgm:cxn modelId="9" srcId="0" destId="4" srcOrd="3" destOrd="0"/>
+        <dgm:cxn modelId="10" srcId="0" destId="5" srcOrd="4" destOrd="0"/>
       </dgm:cxnLst>
       <dgm:bg/>
       <dgm:whole/>
@@ -1703,110 +1703,87 @@
         <dgm:pt modelId="2"/>
         <dgm:pt modelId="3"/>
         <dgm:pt modelId="4"/>
+        <dgm:pt modelId="5"/>
+        <dgm:pt modelId="6"/>
       </dgm:ptLst>
       <dgm:cxnLst>
-        <dgm:cxn modelId="5" srcId="0" destId="1" srcOrd="0" destOrd="0"/>
-        <dgm:cxn modelId="6" srcId="0" destId="2" srcOrd="1" destOrd="0"/>
-        <dgm:cxn modelId="7" srcId="0" destId="3" srcOrd="2" destOrd="0"/>
-        <dgm:cxn modelId="8" srcId="0" destId="4" srcOrd="3" destOrd="0"/>
+        <dgm:cxn modelId="7" srcId="0" destId="1" srcOrd="0" destOrd="0"/>
+        <dgm:cxn modelId="8" srcId="0" destId="2" srcOrd="1" destOrd="0"/>
+        <dgm:cxn modelId="9" srcId="0" destId="3" srcOrd="2" destOrd="0"/>
+        <dgm:cxn modelId="10" srcId="0" destId="4" srcOrd="3" destOrd="0"/>
+        <dgm:cxn modelId="11" srcId="0" destId="5" srcOrd="4" destOrd="0"/>
+        <dgm:cxn modelId="12" srcId="0" destId="6" srcOrd="5" destOrd="0"/>
       </dgm:cxnLst>
       <dgm:bg/>
       <dgm:whole/>
     </dgm:dataModel>
   </dgm:clrData>
-  <dgm:layoutNode name="linear">
+  <dgm:layoutNode name="diagram">
     <dgm:varLst>
-      <dgm:animLvl val="lvl"/>
+      <dgm:dir/>
       <dgm:resizeHandles val="exact"/>
     </dgm:varLst>
-    <dgm:alg type="lin">
-      <dgm:param type="linDir" val="fromT"/>
-      <dgm:param type="vertAlign" val="mid"/>
-    </dgm:alg>
+    <dgm:choose name="Name0">
+      <dgm:if name="Name1" func="var" arg="dir" op="equ" val="norm">
+        <dgm:alg type="snake">
+          <dgm:param type="grDir" val="tL"/>
+          <dgm:param type="flowDir" val="row"/>
+          <dgm:param type="contDir" val="sameDir"/>
+          <dgm:param type="off" val="ctr"/>
+        </dgm:alg>
+      </dgm:if>
+      <dgm:else name="Name2">
+        <dgm:alg type="snake">
+          <dgm:param type="grDir" val="tR"/>
+          <dgm:param type="flowDir" val="row"/>
+          <dgm:param type="contDir" val="sameDir"/>
+          <dgm:param type="off" val="ctr"/>
+        </dgm:alg>
+      </dgm:else>
+    </dgm:choose>
     <dgm:shape xmlns:r="http://schemas.openxmlformats.org/officeDocument/2006/relationships" r:blip="">
       <dgm:adjLst/>
     </dgm:shape>
     <dgm:presOf/>
     <dgm:constrLst>
-      <dgm:constr type="w" for="ch" forName="parentText" refType="w"/>
-      <dgm:constr type="h" for="ch" forName="parentText" refType="primFontSz" refFor="ch" refForName="parentText" fact="0.52"/>
-      <dgm:constr type="w" for="ch" forName="childText" refType="w"/>
-      <dgm:constr type="h" for="ch" forName="childText" refType="primFontSz" refFor="ch" refForName="parentText" fact="0.46"/>
-      <dgm:constr type="h" for="ch" forName="parentText" op="equ"/>
-      <dgm:constr type="primFontSz" for="ch" forName="parentText" op="equ" val="65"/>
-      <dgm:constr type="primFontSz" for="ch" forName="childText" refType="primFontSz" refFor="ch" refForName="parentText" op="equ"/>
-      <dgm:constr type="h" for="ch" forName="spacer" refType="primFontSz" refFor="ch" refForName="parentText" fact="0.08"/>
+      <dgm:constr type="w" for="ch" forName="node" refType="w"/>
+      <dgm:constr type="h" for="ch" forName="node" refType="w" refFor="ch" refForName="node" fact="0.6"/>
+      <dgm:constr type="w" for="ch" forName="sibTrans" refType="w" refFor="ch" refForName="node" fact="0.1"/>
+      <dgm:constr type="sp" refType="w" refFor="ch" refForName="sibTrans"/>
+      <dgm:constr type="primFontSz" for="ch" forName="node" op="equ" val="65"/>
     </dgm:constrLst>
-    <dgm:ruleLst>
-      <dgm:rule type="primFontSz" for="ch" forName="parentText" val="5" fact="NaN" max="NaN"/>
-    </dgm:ruleLst>
-    <dgm:forEach name="Name0" axis="ch" ptType="node">
-      <dgm:layoutNode name="parentText" styleLbl="node1">
+    <dgm:ruleLst/>
+    <dgm:forEach name="Name3" axis="ch" ptType="node">
+      <dgm:layoutNode name="node">
         <dgm:varLst>
-          <dgm:chMax val="0"/>
           <dgm:bulletEnabled val="1"/>
         </dgm:varLst>
-        <dgm:alg type="tx">
-          <dgm:param type="parTxLTRAlign" val="l"/>
-          <dgm:param type="parTxRTLAlign" val="r"/>
-        </dgm:alg>
-        <dgm:shape xmlns:r="http://schemas.openxmlformats.org/officeDocument/2006/relationships" type="roundRect" r:blip="">
+        <dgm:alg type="tx"/>
+        <dgm:shape xmlns:r="http://schemas.openxmlformats.org/officeDocument/2006/relationships" type="rect" r:blip="">
           <dgm:adjLst/>
         </dgm:shape>
-        <dgm:presOf axis="self"/>
+        <dgm:presOf axis="desOrSelf" ptType="node"/>
         <dgm:constrLst>
+          <dgm:constr type="lMarg" refType="primFontSz" fact="0.3"/>
+          <dgm:constr type="rMarg" refType="primFontSz" fact="0.3"/>
           <dgm:constr type="tMarg" refType="primFontSz" fact="0.3"/>
           <dgm:constr type="bMarg" refType="primFontSz" fact="0.3"/>
-          <dgm:constr type="lMarg" refType="primFontSz" fact="0.3"/>
-          <dgm:constr type="rMarg" refType="primFontSz" fact="0.3"/>
         </dgm:constrLst>
         <dgm:ruleLst>
-          <dgm:rule type="h" val="INF" fact="NaN" max="NaN"/>
+          <dgm:rule type="primFontSz" val="5" fact="NaN" max="NaN"/>
         </dgm:ruleLst>
       </dgm:layoutNode>
-      <dgm:choose name="Name1">
-        <dgm:if name="Name2" axis="ch" ptType="node" func="cnt" op="gte" val="1">
-          <dgm:layoutNode name="childText" styleLbl="revTx">
-            <dgm:varLst>
-              <dgm:bulletEnabled val="1"/>
-            </dgm:varLst>
-            <dgm:alg type="tx">
-              <dgm:param type="stBulletLvl" val="1"/>
-              <dgm:param type="lnSpAfChP" val="20"/>
-            </dgm:alg>
-            <dgm:shape xmlns:r="http://schemas.openxmlformats.org/officeDocument/2006/relationships" type="rect" r:blip="">
-              <dgm:adjLst/>
-            </dgm:shape>
-            <dgm:presOf axis="des" ptType="node"/>
-            <dgm:constrLst>
-              <dgm:constr type="tMarg" refType="primFontSz" fact="0.1"/>
-              <dgm:constr type="bMarg" refType="primFontSz" fact="0.1"/>
-              <dgm:constr type="lMarg" refType="w" fact="0.09"/>
-            </dgm:constrLst>
-            <dgm:ruleLst>
-              <dgm:rule type="h" val="INF" fact="NaN" max="NaN"/>
-            </dgm:ruleLst>
-          </dgm:layoutNode>
-        </dgm:if>
-        <dgm:else name="Name3">
-          <dgm:choose name="Name4">
-            <dgm:if name="Name5" axis="par ch" ptType="doc node" func="cnt" op="gte" val="2">
-              <dgm:forEach name="Name6" axis="followSib" ptType="sibTrans" cnt="1">
-                <dgm:layoutNode name="spacer">
-                  <dgm:alg type="sp"/>
-                  <dgm:shape xmlns:r="http://schemas.openxmlformats.org/officeDocument/2006/relationships" r:blip="">
-                    <dgm:adjLst/>
-                  </dgm:shape>
-                  <dgm:presOf/>
-                  <dgm:constrLst/>
-                  <dgm:ruleLst/>
-                </dgm:layoutNode>
-              </dgm:forEach>
-            </dgm:if>
-            <dgm:else name="Name7"/>
-          </dgm:choose>
-        </dgm:else>
-      </dgm:choose>
+      <dgm:forEach name="Name4" axis="followSib" ptType="sibTrans" cnt="1">
+        <dgm:layoutNode name="sibTrans">
+          <dgm:alg type="sp"/>
+          <dgm:shape xmlns:r="http://schemas.openxmlformats.org/officeDocument/2006/relationships" r:blip="">
+            <dgm:adjLst/>
+          </dgm:shape>
+          <dgm:presOf/>
+          <dgm:constrLst/>
+          <dgm:ruleLst/>
+        </dgm:layoutNode>
+      </dgm:forEach>
     </dgm:forEach>
   </dgm:layoutNode>
 </dgm:layoutDef>
@@ -30620,7 +30597,7 @@
         </p:blipFill>
         <p:spPr>
           <a:xfrm>
-            <a:off x="965023" y="1128768"/>
+            <a:off x="976671" y="1030967"/>
             <a:ext cx="5272764" cy="4600463"/>
           </a:xfrm>
           <a:prstGeom prst="rect">
@@ -30728,7 +30705,7 @@
           <p:nvPr>
             <p:extLst>
               <p:ext uri="{D42A27DB-BD31-4B8C-83A1-F6EECF244321}">
-                <p14:modId xmlns:p14="http://schemas.microsoft.com/office/powerpoint/2010/main" val="2396833766"/>
+                <p14:modId xmlns:p14="http://schemas.microsoft.com/office/powerpoint/2010/main" val="2333757086"/>
               </p:ext>
             </p:extLst>
           </p:nvPr>
@@ -30818,8 +30795,8 @@
         </p:blipFill>
         <p:spPr>
           <a:xfrm>
-            <a:off x="277773" y="3577877"/>
-            <a:ext cx="2628316" cy="1862803"/>
+            <a:off x="684872" y="3643061"/>
+            <a:ext cx="2221217" cy="1574274"/>
           </a:xfrm>
           <a:prstGeom prst="rect">
             <a:avLst/>
@@ -30854,8 +30831,8 @@
         </p:blipFill>
         <p:spPr>
           <a:xfrm>
-            <a:off x="2991198" y="3577876"/>
-            <a:ext cx="2628565" cy="1862803"/>
+            <a:off x="3064668" y="3643061"/>
+            <a:ext cx="2221216" cy="1574274"/>
           </a:xfrm>
           <a:prstGeom prst="rect">
             <a:avLst/>
@@ -30890,8 +30867,8 @@
         </p:blipFill>
         <p:spPr>
           <a:xfrm>
-            <a:off x="277773" y="1500883"/>
-            <a:ext cx="5341990" cy="1827279"/>
+            <a:off x="320452" y="1681434"/>
+            <a:ext cx="5299311" cy="1812680"/>
           </a:xfrm>
           <a:prstGeom prst="rect">
             <a:avLst/>
@@ -31020,13 +30997,17 @@
             <a:ext cx="5916114" cy="4044950"/>
           </a:xfrm>
           <a:prstGeom prst="snip1Rect">
-            <a:avLst/>
+            <a:avLst>
+              <a:gd name="adj" fmla="val 0"/>
+            </a:avLst>
           </a:prstGeom>
           <a:solidFill>
             <a:srgbClr val="2C85AE"/>
           </a:solidFill>
           <a:ln w="15875" cap="flat" cmpd="sng" algn="ctr">
-            <a:noFill/>
+            <a:solidFill>
+              <a:schemeClr val="bg1"/>
+            </a:solidFill>
             <a:prstDash val="solid"/>
           </a:ln>
           <a:effectLst/>
@@ -31120,7 +31101,7 @@
         </p:blipFill>
         <p:spPr>
           <a:xfrm>
-            <a:off x="3461654" y="2156050"/>
+            <a:off x="3383619" y="2261116"/>
             <a:ext cx="2587074" cy="2581413"/>
           </a:xfrm>
           <a:prstGeom prst="rect">
@@ -31148,6 +31129,11 @@
           <a:prstGeom prst="rect">
             <a:avLst/>
           </a:prstGeom>
+          <a:ln>
+            <a:solidFill>
+              <a:schemeClr val="bg1"/>
+            </a:solidFill>
+          </a:ln>
         </p:spPr>
         <p:style>
           <a:lnRef idx="2">
@@ -31196,8 +31182,8 @@
         </p:blipFill>
         <p:spPr>
           <a:xfrm>
-            <a:off x="7592344" y="1021096"/>
-            <a:ext cx="3630621" cy="2453938"/>
+            <a:off x="7587440" y="1175830"/>
+            <a:ext cx="3644191" cy="2463109"/>
           </a:xfrm>
           <a:prstGeom prst="rect">
             <a:avLst/>
@@ -31227,6 +31213,11 @@
           <a:solidFill>
             <a:schemeClr val="bg1"/>
           </a:solidFill>
+          <a:ln>
+            <a:solidFill>
+              <a:schemeClr val="bg1"/>
+            </a:solidFill>
+          </a:ln>
         </p:spPr>
         <p:style>
           <a:lnRef idx="2">
@@ -32149,6 +32140,11 @@
           <a:prstGeom prst="rect">
             <a:avLst/>
           </a:prstGeom>
+          <a:ln>
+            <a:solidFill>
+              <a:schemeClr val="bg1"/>
+            </a:solidFill>
+          </a:ln>
         </p:spPr>
         <p:style>
           <a:lnRef idx="2">
@@ -32588,10 +32584,10 @@
       </p:sp>
       <p:pic>
         <p:nvPicPr>
-          <p:cNvPr id="10" name="Grafik 9" descr="Puzzleteile Silhouette">
-            <a:extLst>
-              <a:ext uri="{FF2B5EF4-FFF2-40B4-BE49-F238E27FC236}">
-                <a16:creationId xmlns:a16="http://schemas.microsoft.com/office/drawing/2014/main" id="{5182E289-1C02-4DD0-8355-47A3F28AA51D}"/>
+          <p:cNvPr id="12" name="Grafik 11" descr="Playbook mit einfarbiger Füllung">
+            <a:extLst>
+              <a:ext uri="{FF2B5EF4-FFF2-40B4-BE49-F238E27FC236}">
+                <a16:creationId xmlns:a16="http://schemas.microsoft.com/office/drawing/2014/main" id="{4637FBE8-89A9-4F43-99A9-FD0E6FFFFBD8}"/>
               </a:ext>
             </a:extLst>
           </p:cNvPr>
@@ -32614,44 +32610,8 @@
         </p:blipFill>
         <p:spPr>
           <a:xfrm>
-            <a:off x="1033530" y="2896583"/>
-            <a:ext cx="914400" cy="914400"/>
-          </a:xfrm>
-          <a:prstGeom prst="rect">
-            <a:avLst/>
-          </a:prstGeom>
-        </p:spPr>
-      </p:pic>
-      <p:pic>
-        <p:nvPicPr>
-          <p:cNvPr id="12" name="Grafik 11" descr="Playbook mit einfarbiger Füllung">
-            <a:extLst>
-              <a:ext uri="{FF2B5EF4-FFF2-40B4-BE49-F238E27FC236}">
-                <a16:creationId xmlns:a16="http://schemas.microsoft.com/office/drawing/2014/main" id="{4637FBE8-89A9-4F43-99A9-FD0E6FFFFBD8}"/>
-              </a:ext>
-            </a:extLst>
-          </p:cNvPr>
-          <p:cNvPicPr>
-            <a:picLocks noChangeAspect="1"/>
-          </p:cNvPicPr>
-          <p:nvPr/>
-        </p:nvPicPr>
-        <p:blipFill>
-          <a:blip r:embed="rId4">
-            <a:extLst>
-              <a:ext uri="{96DAC541-7B7A-43D3-8B79-37D633B846F1}">
-                <asvg:svgBlip xmlns:asvg="http://schemas.microsoft.com/office/drawing/2016/SVG/main" r:embed="rId5"/>
-              </a:ext>
-            </a:extLst>
-          </a:blip>
-          <a:stretch>
-            <a:fillRect/>
-          </a:stretch>
-        </p:blipFill>
-        <p:spPr>
-          <a:xfrm>
-            <a:off x="3339035" y="4911153"/>
-            <a:ext cx="882782" cy="882782"/>
+            <a:off x="3484882" y="5018499"/>
+            <a:ext cx="770190" cy="770190"/>
           </a:xfrm>
           <a:prstGeom prst="rect">
             <a:avLst/>
@@ -32856,10 +32816,154 @@
       </p:sp>
       <p:pic>
         <p:nvPicPr>
-          <p:cNvPr id="24" name="Grafik 23" descr="Lineal mit einfarbiger Füllung">
-            <a:extLst>
-              <a:ext uri="{FF2B5EF4-FFF2-40B4-BE49-F238E27FC236}">
-                <a16:creationId xmlns:a16="http://schemas.microsoft.com/office/drawing/2014/main" id="{AF8B6F75-8A64-4DF0-B7EB-E57C7FDBE2F7}"/>
+          <p:cNvPr id="28" name="Grafik 27" descr="Pfeil: Kurve im Uhrzeigersinn Silhouette">
+            <a:extLst>
+              <a:ext uri="{FF2B5EF4-FFF2-40B4-BE49-F238E27FC236}">
+                <a16:creationId xmlns:a16="http://schemas.microsoft.com/office/drawing/2014/main" id="{84DF8ED1-2E08-4938-ACF2-FD21D86D2611}"/>
+              </a:ext>
+            </a:extLst>
+          </p:cNvPr>
+          <p:cNvPicPr>
+            <a:picLocks noChangeAspect="1"/>
+          </p:cNvPicPr>
+          <p:nvPr/>
+        </p:nvPicPr>
+        <p:blipFill>
+          <a:blip r:embed="rId4">
+            <a:extLst>
+              <a:ext uri="{96DAC541-7B7A-43D3-8B79-37D633B846F1}">
+                <asvg:svgBlip xmlns:asvg="http://schemas.microsoft.com/office/drawing/2016/SVG/main" r:embed="rId5"/>
+              </a:ext>
+            </a:extLst>
+          </a:blip>
+          <a:stretch>
+            <a:fillRect/>
+          </a:stretch>
+        </p:blipFill>
+        <p:spPr>
+          <a:xfrm rot="8613296">
+            <a:off x="2358267" y="2507964"/>
+            <a:ext cx="914400" cy="914400"/>
+          </a:xfrm>
+          <a:prstGeom prst="rect">
+            <a:avLst/>
+          </a:prstGeom>
+        </p:spPr>
+      </p:pic>
+      <p:pic>
+        <p:nvPicPr>
+          <p:cNvPr id="29" name="Grafik 28" descr="Pfeil: Kurve im Uhrzeigersinn Silhouette">
+            <a:extLst>
+              <a:ext uri="{FF2B5EF4-FFF2-40B4-BE49-F238E27FC236}">
+                <a16:creationId xmlns:a16="http://schemas.microsoft.com/office/drawing/2014/main" id="{92B03901-FD37-48C4-A830-89A6139D5DE4}"/>
+              </a:ext>
+            </a:extLst>
+          </p:cNvPr>
+          <p:cNvPicPr>
+            <a:picLocks noChangeAspect="1"/>
+          </p:cNvPicPr>
+          <p:nvPr/>
+        </p:nvPicPr>
+        <p:blipFill>
+          <a:blip r:embed="rId4">
+            <a:extLst>
+              <a:ext uri="{96DAC541-7B7A-43D3-8B79-37D633B846F1}">
+                <asvg:svgBlip xmlns:asvg="http://schemas.microsoft.com/office/drawing/2016/SVG/main" r:embed="rId5"/>
+              </a:ext>
+            </a:extLst>
+          </a:blip>
+          <a:stretch>
+            <a:fillRect/>
+          </a:stretch>
+        </p:blipFill>
+        <p:spPr>
+          <a:xfrm rot="4341906">
+            <a:off x="4438592" y="2549980"/>
+            <a:ext cx="914400" cy="914400"/>
+          </a:xfrm>
+          <a:prstGeom prst="rect">
+            <a:avLst/>
+          </a:prstGeom>
+        </p:spPr>
+      </p:pic>
+      <p:pic>
+        <p:nvPicPr>
+          <p:cNvPr id="30" name="Grafik 29" descr="Pfeil: Kurve im Uhrzeigersinn Silhouette">
+            <a:extLst>
+              <a:ext uri="{FF2B5EF4-FFF2-40B4-BE49-F238E27FC236}">
+                <a16:creationId xmlns:a16="http://schemas.microsoft.com/office/drawing/2014/main" id="{BFD57181-C7D2-4DF8-863B-6CEE16BF55B0}"/>
+              </a:ext>
+            </a:extLst>
+          </p:cNvPr>
+          <p:cNvPicPr>
+            <a:picLocks noChangeAspect="1"/>
+          </p:cNvPicPr>
+          <p:nvPr/>
+        </p:nvPicPr>
+        <p:blipFill>
+          <a:blip r:embed="rId4">
+            <a:extLst>
+              <a:ext uri="{96DAC541-7B7A-43D3-8B79-37D633B846F1}">
+                <asvg:svgBlip xmlns:asvg="http://schemas.microsoft.com/office/drawing/2016/SVG/main" r:embed="rId5"/>
+              </a:ext>
+            </a:extLst>
+          </a:blip>
+          <a:stretch>
+            <a:fillRect/>
+          </a:stretch>
+        </p:blipFill>
+        <p:spPr>
+          <a:xfrm rot="8613296">
+            <a:off x="6870333" y="2514597"/>
+            <a:ext cx="914400" cy="914400"/>
+          </a:xfrm>
+          <a:prstGeom prst="rect">
+            <a:avLst/>
+          </a:prstGeom>
+        </p:spPr>
+      </p:pic>
+      <p:pic>
+        <p:nvPicPr>
+          <p:cNvPr id="31" name="Grafik 30" descr="Pfeil: Kurve im Uhrzeigersinn Silhouette">
+            <a:extLst>
+              <a:ext uri="{FF2B5EF4-FFF2-40B4-BE49-F238E27FC236}">
+                <a16:creationId xmlns:a16="http://schemas.microsoft.com/office/drawing/2014/main" id="{2C4540EB-88EF-4652-9F95-E521CAFAC495}"/>
+              </a:ext>
+            </a:extLst>
+          </p:cNvPr>
+          <p:cNvPicPr>
+            <a:picLocks noChangeAspect="1"/>
+          </p:cNvPicPr>
+          <p:nvPr/>
+        </p:nvPicPr>
+        <p:blipFill>
+          <a:blip r:embed="rId4">
+            <a:extLst>
+              <a:ext uri="{96DAC541-7B7A-43D3-8B79-37D633B846F1}">
+                <asvg:svgBlip xmlns:asvg="http://schemas.microsoft.com/office/drawing/2016/SVG/main" r:embed="rId5"/>
+              </a:ext>
+            </a:extLst>
+          </a:blip>
+          <a:stretch>
+            <a:fillRect/>
+          </a:stretch>
+        </p:blipFill>
+        <p:spPr>
+          <a:xfrm rot="4341906">
+            <a:off x="8915482" y="2519591"/>
+            <a:ext cx="914400" cy="914400"/>
+          </a:xfrm>
+          <a:prstGeom prst="rect">
+            <a:avLst/>
+          </a:prstGeom>
+        </p:spPr>
+      </p:pic>
+      <p:pic>
+        <p:nvPicPr>
+          <p:cNvPr id="6" name="Grafik 5" descr="Filter mit einfarbiger Füllung">
+            <a:extLst>
+              <a:ext uri="{FF2B5EF4-FFF2-40B4-BE49-F238E27FC236}">
+                <a16:creationId xmlns:a16="http://schemas.microsoft.com/office/drawing/2014/main" id="{25DB66C4-7101-4298-A948-182CB35A0492}"/>
               </a:ext>
             </a:extLst>
           </p:cNvPr>
@@ -32882,8 +32986,8 @@
         </p:blipFill>
         <p:spPr>
           <a:xfrm>
-            <a:off x="10370417" y="3056999"/>
-            <a:ext cx="914400" cy="914400"/>
+            <a:off x="1201835" y="3031524"/>
+            <a:ext cx="704898" cy="704898"/>
           </a:xfrm>
           <a:prstGeom prst="rect">
             <a:avLst/>
@@ -32892,10 +32996,10 @@
       </p:pic>
       <p:pic>
         <p:nvPicPr>
-          <p:cNvPr id="26" name="Grafik 25" descr="Bleistift Silhouette">
-            <a:extLst>
-              <a:ext uri="{FF2B5EF4-FFF2-40B4-BE49-F238E27FC236}">
-                <a16:creationId xmlns:a16="http://schemas.microsoft.com/office/drawing/2014/main" id="{DDA29D81-F120-44A2-86B9-D1EA9C2F9618}"/>
+          <p:cNvPr id="11" name="Grafik 10" descr="Caretzeichen nach rechts mit einfarbiger Füllung">
+            <a:extLst>
+              <a:ext uri="{FF2B5EF4-FFF2-40B4-BE49-F238E27FC236}">
+                <a16:creationId xmlns:a16="http://schemas.microsoft.com/office/drawing/2014/main" id="{C3DC6BA7-F999-475E-ABAD-9E71B5D3647A}"/>
               </a:ext>
             </a:extLst>
           </p:cNvPr>
@@ -32917,9 +33021,9 @@
           </a:stretch>
         </p:blipFill>
         <p:spPr>
-          <a:xfrm>
-            <a:off x="8052956" y="5013256"/>
-            <a:ext cx="780679" cy="780679"/>
+          <a:xfrm rot="18993366">
+            <a:off x="10604217" y="2845209"/>
+            <a:ext cx="543888" cy="543888"/>
           </a:xfrm>
           <a:prstGeom prst="rect">
             <a:avLst/>
@@ -32928,10 +33032,46 @@
       </p:pic>
       <p:pic>
         <p:nvPicPr>
-          <p:cNvPr id="28" name="Grafik 27" descr="Pfeil: Kurve im Uhrzeigersinn Silhouette">
-            <a:extLst>
-              <a:ext uri="{FF2B5EF4-FFF2-40B4-BE49-F238E27FC236}">
-                <a16:creationId xmlns:a16="http://schemas.microsoft.com/office/drawing/2014/main" id="{84DF8ED1-2E08-4938-ACF2-FD21D86D2611}"/>
+          <p:cNvPr id="23" name="Grafik 22" descr="Caretzeichen nach rechts mit einfarbiger Füllung">
+            <a:extLst>
+              <a:ext uri="{FF2B5EF4-FFF2-40B4-BE49-F238E27FC236}">
+                <a16:creationId xmlns:a16="http://schemas.microsoft.com/office/drawing/2014/main" id="{D0F32AC7-856D-43F0-81D4-ADACC3285E98}"/>
+              </a:ext>
+            </a:extLst>
+          </p:cNvPr>
+          <p:cNvPicPr>
+            <a:picLocks noChangeAspect="1"/>
+          </p:cNvPicPr>
+          <p:nvPr/>
+        </p:nvPicPr>
+        <p:blipFill>
+          <a:blip r:embed="rId8">
+            <a:extLst>
+              <a:ext uri="{96DAC541-7B7A-43D3-8B79-37D633B846F1}">
+                <asvg:svgBlip xmlns:asvg="http://schemas.microsoft.com/office/drawing/2016/SVG/main" r:embed="rId9"/>
+              </a:ext>
+            </a:extLst>
+          </a:blip>
+          <a:stretch>
+            <a:fillRect/>
+          </a:stretch>
+        </p:blipFill>
+        <p:spPr>
+          <a:xfrm rot="8038913">
+            <a:off x="10321667" y="3144107"/>
+            <a:ext cx="543888" cy="543888"/>
+          </a:xfrm>
+          <a:prstGeom prst="rect">
+            <a:avLst/>
+          </a:prstGeom>
+        </p:spPr>
+      </p:pic>
+      <p:pic>
+        <p:nvPicPr>
+          <p:cNvPr id="18" name="Grafik 17" descr="Periodische Grafik mit einfarbiger Füllung">
+            <a:extLst>
+              <a:ext uri="{FF2B5EF4-FFF2-40B4-BE49-F238E27FC236}">
+                <a16:creationId xmlns:a16="http://schemas.microsoft.com/office/drawing/2014/main" id="{7CF35A96-FB39-4955-8836-823CB480490D}"/>
               </a:ext>
             </a:extLst>
           </p:cNvPr>
@@ -32953,117 +33093,9 @@
           </a:stretch>
         </p:blipFill>
         <p:spPr>
-          <a:xfrm rot="8613296">
-            <a:off x="2358267" y="2507964"/>
-            <a:ext cx="914400" cy="914400"/>
-          </a:xfrm>
-          <a:prstGeom prst="rect">
-            <a:avLst/>
-          </a:prstGeom>
-        </p:spPr>
-      </p:pic>
-      <p:pic>
-        <p:nvPicPr>
-          <p:cNvPr id="29" name="Grafik 28" descr="Pfeil: Kurve im Uhrzeigersinn Silhouette">
-            <a:extLst>
-              <a:ext uri="{FF2B5EF4-FFF2-40B4-BE49-F238E27FC236}">
-                <a16:creationId xmlns:a16="http://schemas.microsoft.com/office/drawing/2014/main" id="{92B03901-FD37-48C4-A830-89A6139D5DE4}"/>
-              </a:ext>
-            </a:extLst>
-          </p:cNvPr>
-          <p:cNvPicPr>
-            <a:picLocks noChangeAspect="1"/>
-          </p:cNvPicPr>
-          <p:nvPr/>
-        </p:nvPicPr>
-        <p:blipFill>
-          <a:blip r:embed="rId10">
-            <a:extLst>
-              <a:ext uri="{96DAC541-7B7A-43D3-8B79-37D633B846F1}">
-                <asvg:svgBlip xmlns:asvg="http://schemas.microsoft.com/office/drawing/2016/SVG/main" r:embed="rId11"/>
-              </a:ext>
-            </a:extLst>
-          </a:blip>
-          <a:stretch>
-            <a:fillRect/>
-          </a:stretch>
-        </p:blipFill>
-        <p:spPr>
-          <a:xfrm rot="4341906">
-            <a:off x="4438592" y="2549980"/>
-            <a:ext cx="914400" cy="914400"/>
-          </a:xfrm>
-          <a:prstGeom prst="rect">
-            <a:avLst/>
-          </a:prstGeom>
-        </p:spPr>
-      </p:pic>
-      <p:pic>
-        <p:nvPicPr>
-          <p:cNvPr id="30" name="Grafik 29" descr="Pfeil: Kurve im Uhrzeigersinn Silhouette">
-            <a:extLst>
-              <a:ext uri="{FF2B5EF4-FFF2-40B4-BE49-F238E27FC236}">
-                <a16:creationId xmlns:a16="http://schemas.microsoft.com/office/drawing/2014/main" id="{BFD57181-C7D2-4DF8-863B-6CEE16BF55B0}"/>
-              </a:ext>
-            </a:extLst>
-          </p:cNvPr>
-          <p:cNvPicPr>
-            <a:picLocks noChangeAspect="1"/>
-          </p:cNvPicPr>
-          <p:nvPr/>
-        </p:nvPicPr>
-        <p:blipFill>
-          <a:blip r:embed="rId10">
-            <a:extLst>
-              <a:ext uri="{96DAC541-7B7A-43D3-8B79-37D633B846F1}">
-                <asvg:svgBlip xmlns:asvg="http://schemas.microsoft.com/office/drawing/2016/SVG/main" r:embed="rId11"/>
-              </a:ext>
-            </a:extLst>
-          </a:blip>
-          <a:stretch>
-            <a:fillRect/>
-          </a:stretch>
-        </p:blipFill>
-        <p:spPr>
-          <a:xfrm rot="8613296">
-            <a:off x="6870333" y="2514597"/>
-            <a:ext cx="914400" cy="914400"/>
-          </a:xfrm>
-          <a:prstGeom prst="rect">
-            <a:avLst/>
-          </a:prstGeom>
-        </p:spPr>
-      </p:pic>
-      <p:pic>
-        <p:nvPicPr>
-          <p:cNvPr id="31" name="Grafik 30" descr="Pfeil: Kurve im Uhrzeigersinn Silhouette">
-            <a:extLst>
-              <a:ext uri="{FF2B5EF4-FFF2-40B4-BE49-F238E27FC236}">
-                <a16:creationId xmlns:a16="http://schemas.microsoft.com/office/drawing/2014/main" id="{2C4540EB-88EF-4652-9F95-E521CAFAC495}"/>
-              </a:ext>
-            </a:extLst>
-          </p:cNvPr>
-          <p:cNvPicPr>
-            <a:picLocks noChangeAspect="1"/>
-          </p:cNvPicPr>
-          <p:nvPr/>
-        </p:nvPicPr>
-        <p:blipFill>
-          <a:blip r:embed="rId10">
-            <a:extLst>
-              <a:ext uri="{96DAC541-7B7A-43D3-8B79-37D633B846F1}">
-                <asvg:svgBlip xmlns:asvg="http://schemas.microsoft.com/office/drawing/2016/SVG/main" r:embed="rId11"/>
-              </a:ext>
-            </a:extLst>
-          </a:blip>
-          <a:stretch>
-            <a:fillRect/>
-          </a:stretch>
-        </p:blipFill>
-        <p:spPr>
-          <a:xfrm rot="4341906">
-            <a:off x="8915482" y="2519591"/>
-            <a:ext cx="914400" cy="914400"/>
+          <a:xfrm>
+            <a:off x="7926295" y="5071301"/>
+            <a:ext cx="664587" cy="664587"/>
           </a:xfrm>
           <a:prstGeom prst="rect">
             <a:avLst/>
@@ -38790,6 +38822,108 @@
       </p:grpSpPr>
       <p:sp>
         <p:nvSpPr>
+          <p:cNvPr id="11" name="Rechteck 10">
+            <a:extLst>
+              <a:ext uri="{FF2B5EF4-FFF2-40B4-BE49-F238E27FC236}">
+                <a16:creationId xmlns:a16="http://schemas.microsoft.com/office/drawing/2014/main" id="{7A76AA73-658D-4337-96DF-D2E5F9F59592}"/>
+              </a:ext>
+            </a:extLst>
+          </p:cNvPr>
+          <p:cNvSpPr/>
+          <p:nvPr/>
+        </p:nvSpPr>
+        <p:spPr>
+          <a:xfrm>
+            <a:off x="7305492" y="2061768"/>
+            <a:ext cx="3302324" cy="3663051"/>
+          </a:xfrm>
+          <a:prstGeom prst="rect">
+            <a:avLst/>
+          </a:prstGeom>
+          <a:ln>
+            <a:solidFill>
+              <a:schemeClr val="bg1"/>
+            </a:solidFill>
+          </a:ln>
+        </p:spPr>
+        <p:style>
+          <a:lnRef idx="2">
+            <a:schemeClr val="accent1">
+              <a:shade val="50000"/>
+            </a:schemeClr>
+          </a:lnRef>
+          <a:fillRef idx="1">
+            <a:schemeClr val="accent1"/>
+          </a:fillRef>
+          <a:effectRef idx="0">
+            <a:schemeClr val="accent1"/>
+          </a:effectRef>
+          <a:fontRef idx="minor">
+            <a:schemeClr val="lt1"/>
+          </a:fontRef>
+        </p:style>
+        <p:txBody>
+          <a:bodyPr rtlCol="0" anchor="ctr"/>
+          <a:lstStyle/>
+          <a:p>
+            <a:pPr algn="ctr"/>
+            <a:endParaRPr lang="de-DE"/>
+          </a:p>
+        </p:txBody>
+      </p:sp>
+      <p:sp>
+        <p:nvSpPr>
+          <p:cNvPr id="8" name="Rechteck 7">
+            <a:extLst>
+              <a:ext uri="{FF2B5EF4-FFF2-40B4-BE49-F238E27FC236}">
+                <a16:creationId xmlns:a16="http://schemas.microsoft.com/office/drawing/2014/main" id="{85E2BB4C-071F-43C6-91FC-787124D8EFE6}"/>
+              </a:ext>
+            </a:extLst>
+          </p:cNvPr>
+          <p:cNvSpPr/>
+          <p:nvPr/>
+        </p:nvSpPr>
+        <p:spPr>
+          <a:xfrm>
+            <a:off x="1584183" y="2061768"/>
+            <a:ext cx="3302324" cy="3663051"/>
+          </a:xfrm>
+          <a:prstGeom prst="rect">
+            <a:avLst/>
+          </a:prstGeom>
+          <a:ln>
+            <a:solidFill>
+              <a:schemeClr val="bg1"/>
+            </a:solidFill>
+          </a:ln>
+        </p:spPr>
+        <p:style>
+          <a:lnRef idx="2">
+            <a:schemeClr val="accent1">
+              <a:shade val="50000"/>
+            </a:schemeClr>
+          </a:lnRef>
+          <a:fillRef idx="1">
+            <a:schemeClr val="accent1"/>
+          </a:fillRef>
+          <a:effectRef idx="0">
+            <a:schemeClr val="accent1"/>
+          </a:effectRef>
+          <a:fontRef idx="minor">
+            <a:schemeClr val="lt1"/>
+          </a:fontRef>
+        </p:style>
+        <p:txBody>
+          <a:bodyPr rtlCol="0" anchor="ctr"/>
+          <a:lstStyle/>
+          <a:p>
+            <a:pPr algn="ctr"/>
+            <a:endParaRPr lang="de-DE"/>
+          </a:p>
+        </p:txBody>
+      </p:sp>
+      <p:sp>
+        <p:nvSpPr>
           <p:cNvPr id="2" name="Titel 1">
             <a:extLst>
               <a:ext uri="{FF2B5EF4-FFF2-40B4-BE49-F238E27FC236}">
@@ -38806,8 +38940,8 @@
         </p:nvSpPr>
         <p:spPr>
           <a:xfrm>
-            <a:off x="383768" y="60960"/>
-            <a:ext cx="2820987" cy="1367246"/>
+            <a:off x="383768" y="133956"/>
+            <a:ext cx="2820987" cy="1107875"/>
           </a:xfrm>
         </p:spPr>
         <p:txBody>
@@ -38817,7 +38951,7 @@
           <a:lstStyle/>
           <a:p>
             <a:r>
-              <a:rPr lang="de-DE" dirty="0" err="1">
+              <a:rPr lang="de-DE">
                 <a:ea typeface="Lufthansa Head Global Bold" pitchFamily="2" charset="-128"/>
                 <a:cs typeface="Lufthansa Head Global Bold" pitchFamily="2" charset="-128"/>
               </a:rPr>
@@ -38848,8 +38982,8 @@
         </p:nvSpPr>
         <p:spPr>
           <a:xfrm>
-            <a:off x="1661466" y="2183105"/>
-            <a:ext cx="3359765" cy="3541714"/>
+            <a:off x="1584184" y="2061768"/>
+            <a:ext cx="3302324" cy="3663050"/>
           </a:xfrm>
         </p:spPr>
         <p:txBody>
@@ -38858,7 +38992,7 @@
           </a:bodyPr>
           <a:lstStyle/>
           <a:p>
-            <a:pPr marL="0" indent="0">
+            <a:pPr marL="0" indent="0" algn="ctr">
               <a:lnSpc>
                 <a:spcPct val="100000"/>
               </a:lnSpc>
@@ -38866,6 +39000,9 @@
             </a:pPr>
             <a:r>
               <a:rPr lang="de-DE" u="sng" dirty="0">
+                <a:solidFill>
+                  <a:schemeClr val="bg1"/>
+                </a:solidFill>
                 <a:latin typeface="+mj-lt"/>
                 <a:ea typeface="Lufthansa Head Global Light" pitchFamily="2" charset="-128"/>
                 <a:cs typeface="Lufthansa Head Global Light" pitchFamily="2" charset="-128"/>
@@ -38874,7 +39011,7 @@
             </a:r>
           </a:p>
           <a:p>
-            <a:pPr marL="0" indent="0">
+            <a:pPr marL="0" indent="0" algn="ctr">
               <a:lnSpc>
                 <a:spcPct val="100000"/>
               </a:lnSpc>
@@ -38882,6 +39019,9 @@
             </a:pPr>
             <a:r>
               <a:rPr lang="de-DE" dirty="0">
+                <a:solidFill>
+                  <a:schemeClr val="bg1"/>
+                </a:solidFill>
                 <a:latin typeface="+mj-lt"/>
                 <a:ea typeface="Lufthansa Head Global Light" pitchFamily="2" charset="-128"/>
                 <a:cs typeface="Lufthansa Head Global Light" pitchFamily="2" charset="-128"/>
@@ -38890,7 +39030,7 @@
             </a:r>
           </a:p>
           <a:p>
-            <a:pPr marL="0" indent="0">
+            <a:pPr marL="0" indent="0" algn="ctr">
               <a:lnSpc>
                 <a:spcPct val="100000"/>
               </a:lnSpc>
@@ -38898,6 +39038,9 @@
             </a:pPr>
             <a:r>
               <a:rPr lang="de-DE" dirty="0">
+                <a:solidFill>
+                  <a:schemeClr val="bg1"/>
+                </a:solidFill>
                 <a:latin typeface="+mj-lt"/>
                 <a:ea typeface="Lufthansa Head Global Light" pitchFamily="2" charset="-128"/>
                 <a:cs typeface="Lufthansa Head Global Light" pitchFamily="2" charset="-128"/>
@@ -38906,7 +39049,7 @@
             </a:r>
           </a:p>
           <a:p>
-            <a:pPr marL="0" indent="0">
+            <a:pPr marL="0" indent="0" algn="ctr">
               <a:lnSpc>
                 <a:spcPct val="100000"/>
               </a:lnSpc>
@@ -38914,6 +39057,9 @@
             </a:pPr>
             <a:r>
               <a:rPr lang="de-DE" dirty="0">
+                <a:solidFill>
+                  <a:schemeClr val="bg1"/>
+                </a:solidFill>
                 <a:latin typeface="+mj-lt"/>
                 <a:ea typeface="Lufthansa Head Global Light" pitchFamily="2" charset="-128"/>
                 <a:cs typeface="Lufthansa Head Global Light" pitchFamily="2" charset="-128"/>
@@ -38922,7 +39068,7 @@
             </a:r>
           </a:p>
           <a:p>
-            <a:pPr marL="0" indent="0">
+            <a:pPr marL="0" indent="0" algn="ctr">
               <a:lnSpc>
                 <a:spcPct val="100000"/>
               </a:lnSpc>
@@ -38930,6 +39076,9 @@
             </a:pPr>
             <a:r>
               <a:rPr lang="de-DE" dirty="0">
+                <a:solidFill>
+                  <a:schemeClr val="bg1"/>
+                </a:solidFill>
                 <a:latin typeface="+mj-lt"/>
                 <a:ea typeface="Lufthansa Head Global Light" pitchFamily="2" charset="-128"/>
                 <a:cs typeface="Lufthansa Head Global Light" pitchFamily="2" charset="-128"/>
@@ -38938,7 +39087,7 @@
             </a:r>
           </a:p>
           <a:p>
-            <a:pPr marL="0" indent="0">
+            <a:pPr marL="0" indent="0" algn="ctr">
               <a:lnSpc>
                 <a:spcPct val="100000"/>
               </a:lnSpc>
@@ -38946,6 +39095,9 @@
             </a:pPr>
             <a:r>
               <a:rPr lang="de-DE" b="1" dirty="0">
+                <a:solidFill>
+                  <a:schemeClr val="bg1"/>
+                </a:solidFill>
                 <a:latin typeface="+mj-lt"/>
                 <a:ea typeface="Lufthansa Head Global Light" pitchFamily="2" charset="-128"/>
                 <a:cs typeface="Lufthansa Head Global Light" pitchFamily="2" charset="-128"/>
@@ -38953,24 +39105,61 @@
               <a:t>Preis: 221.900$</a:t>
             </a:r>
           </a:p>
-          <a:p>
-            <a:pPr marL="0" indent="0">
-              <a:buNone/>
-            </a:pPr>
-            <a:endParaRPr lang="de-DE" dirty="0">
-              <a:latin typeface="Lufthansa Head Global Light" pitchFamily="2" charset="-128"/>
-              <a:ea typeface="Lufthansa Head Global Light" pitchFamily="2" charset="-128"/>
-              <a:cs typeface="Lufthansa Head Global Light" pitchFamily="2" charset="-128"/>
-            </a:endParaRPr>
-          </a:p>
-        </p:txBody>
-      </p:sp>
-      <p:sp>
-        <p:nvSpPr>
-          <p:cNvPr id="50" name="Inhaltsplatzhalter 2">
-            <a:extLst>
-              <a:ext uri="{FF2B5EF4-FFF2-40B4-BE49-F238E27FC236}">
-                <a16:creationId xmlns:a16="http://schemas.microsoft.com/office/drawing/2014/main" id="{6FC8DCF0-3FE0-4034-B0C9-64E853C49AD1}"/>
+        </p:txBody>
+      </p:sp>
+      <p:sp>
+        <p:nvSpPr>
+          <p:cNvPr id="39" name="Pfeil: nach links und rechts 38">
+            <a:extLst>
+              <a:ext uri="{FF2B5EF4-FFF2-40B4-BE49-F238E27FC236}">
+                <a16:creationId xmlns:a16="http://schemas.microsoft.com/office/drawing/2014/main" id="{812679D9-F281-46E9-86B0-A4C5DBF686EA}"/>
+              </a:ext>
+            </a:extLst>
+          </p:cNvPr>
+          <p:cNvSpPr/>
+          <p:nvPr/>
+        </p:nvSpPr>
+        <p:spPr>
+          <a:xfrm>
+            <a:off x="5339970" y="3628645"/>
+            <a:ext cx="1512059" cy="529295"/>
+          </a:xfrm>
+          <a:prstGeom prst="leftRightArrow">
+            <a:avLst>
+              <a:gd name="adj1" fmla="val 38380"/>
+              <a:gd name="adj2" fmla="val 50000"/>
+            </a:avLst>
+          </a:prstGeom>
+        </p:spPr>
+        <p:style>
+          <a:lnRef idx="3">
+            <a:schemeClr val="lt1"/>
+          </a:lnRef>
+          <a:fillRef idx="1">
+            <a:schemeClr val="accent6"/>
+          </a:fillRef>
+          <a:effectRef idx="1">
+            <a:schemeClr val="accent6"/>
+          </a:effectRef>
+          <a:fontRef idx="minor">
+            <a:schemeClr val="lt1"/>
+          </a:fontRef>
+        </p:style>
+        <p:txBody>
+          <a:bodyPr rtlCol="0" anchor="ctr"/>
+          <a:lstStyle/>
+          <a:p>
+            <a:pPr algn="ctr"/>
+            <a:endParaRPr lang="de-DE"/>
+          </a:p>
+        </p:txBody>
+      </p:sp>
+      <p:sp>
+        <p:nvSpPr>
+          <p:cNvPr id="12" name="Inhaltsplatzhalter 2">
+            <a:extLst>
+              <a:ext uri="{FF2B5EF4-FFF2-40B4-BE49-F238E27FC236}">
+                <a16:creationId xmlns:a16="http://schemas.microsoft.com/office/drawing/2014/main" id="{F6D9FAD6-1343-43CD-887D-734ECA0D55D2}"/>
               </a:ext>
             </a:extLst>
           </p:cNvPr>
@@ -38981,8 +39170,8 @@
         </p:nvSpPr>
         <p:spPr>
           <a:xfrm>
-            <a:off x="7432025" y="2183105"/>
-            <a:ext cx="3359765" cy="3541714"/>
+            <a:off x="7305491" y="2061768"/>
+            <a:ext cx="3302324" cy="3663050"/>
           </a:xfrm>
           <a:prstGeom prst="rect">
             <a:avLst/>
@@ -38990,17 +39179,34 @@
         </p:spPr>
         <p:txBody>
           <a:bodyPr vert="horz" lIns="91440" tIns="45720" rIns="91440" bIns="45720" rtlCol="0">
-            <a:normAutofit fontScale="92500" lnSpcReduction="20000"/>
+            <a:normAutofit/>
           </a:bodyPr>
           <a:lstStyle>
             <a:lvl1pPr marL="228600" indent="-228600" algn="l" defTabSz="914400" rtl="0" eaLnBrk="1" latinLnBrk="0" hangingPunct="1">
               <a:lnSpc>
-                <a:spcPct val="120000"/>
+                <a:spcPct val="90000"/>
               </a:lnSpc>
               <a:spcBef>
                 <a:spcPts val="1000"/>
               </a:spcBef>
-              <a:buSzPct val="125000"/>
+              <a:buFont typeface="Arial" panose="020B0604020202020204" pitchFamily="34" charset="0"/>
+              <a:buChar char="•"/>
+              <a:defRPr sz="2800" kern="1200">
+                <a:solidFill>
+                  <a:schemeClr val="tx1"/>
+                </a:solidFill>
+                <a:latin typeface="+mn-lt"/>
+                <a:ea typeface="+mn-ea"/>
+                <a:cs typeface="+mn-cs"/>
+              </a:defRPr>
+            </a:lvl1pPr>
+            <a:lvl2pPr marL="685800" indent="-228600" algn="l" defTabSz="914400" rtl="0" eaLnBrk="1" latinLnBrk="0" hangingPunct="1">
+              <a:lnSpc>
+                <a:spcPct val="90000"/>
+              </a:lnSpc>
+              <a:spcBef>
+                <a:spcPts val="500"/>
+              </a:spcBef>
               <a:buFont typeface="Arial" panose="020B0604020202020204" pitchFamily="34" charset="0"/>
               <a:buChar char="•"/>
               <a:defRPr sz="2400" kern="1200">
@@ -39011,15 +39217,14 @@
                 <a:ea typeface="+mn-ea"/>
                 <a:cs typeface="+mn-cs"/>
               </a:defRPr>
-            </a:lvl1pPr>
-            <a:lvl2pPr marL="685800" indent="-228600" algn="l" defTabSz="914400" rtl="0" eaLnBrk="1" latinLnBrk="0" hangingPunct="1">
+            </a:lvl2pPr>
+            <a:lvl3pPr marL="1143000" indent="-228600" algn="l" defTabSz="914400" rtl="0" eaLnBrk="1" latinLnBrk="0" hangingPunct="1">
               <a:lnSpc>
-                <a:spcPct val="120000"/>
+                <a:spcPct val="90000"/>
               </a:lnSpc>
               <a:spcBef>
                 <a:spcPts val="500"/>
               </a:spcBef>
-              <a:buSzPct val="125000"/>
               <a:buFont typeface="Arial" panose="020B0604020202020204" pitchFamily="34" charset="0"/>
               <a:buChar char="•"/>
               <a:defRPr sz="2000" kern="1200">
@@ -39030,15 +39235,14 @@
                 <a:ea typeface="+mn-ea"/>
                 <a:cs typeface="+mn-cs"/>
               </a:defRPr>
-            </a:lvl2pPr>
-            <a:lvl3pPr marL="1143000" indent="-228600" algn="l" defTabSz="914400" rtl="0" eaLnBrk="1" latinLnBrk="0" hangingPunct="1">
+            </a:lvl3pPr>
+            <a:lvl4pPr marL="1600200" indent="-228600" algn="l" defTabSz="914400" rtl="0" eaLnBrk="1" latinLnBrk="0" hangingPunct="1">
               <a:lnSpc>
-                <a:spcPct val="120000"/>
+                <a:spcPct val="90000"/>
               </a:lnSpc>
               <a:spcBef>
                 <a:spcPts val="500"/>
               </a:spcBef>
-              <a:buSzPct val="125000"/>
               <a:buFont typeface="Arial" panose="020B0604020202020204" pitchFamily="34" charset="0"/>
               <a:buChar char="•"/>
               <a:defRPr sz="1800" kern="1200">
@@ -39049,37 +39253,17 @@
                 <a:ea typeface="+mn-ea"/>
                 <a:cs typeface="+mn-cs"/>
               </a:defRPr>
-            </a:lvl3pPr>
-            <a:lvl4pPr marL="1600200" indent="-228600" algn="l" defTabSz="914400" rtl="0" eaLnBrk="1" latinLnBrk="0" hangingPunct="1">
+            </a:lvl4pPr>
+            <a:lvl5pPr marL="2057400" indent="-228600" algn="l" defTabSz="914400" rtl="0" eaLnBrk="1" latinLnBrk="0" hangingPunct="1">
               <a:lnSpc>
-                <a:spcPct val="120000"/>
+                <a:spcPct val="90000"/>
               </a:lnSpc>
               <a:spcBef>
                 <a:spcPts val="500"/>
               </a:spcBef>
-              <a:buSzPct val="125000"/>
               <a:buFont typeface="Arial" panose="020B0604020202020204" pitchFamily="34" charset="0"/>
               <a:buChar char="•"/>
-              <a:defRPr sz="1600" kern="1200">
-                <a:solidFill>
-                  <a:schemeClr val="tx1"/>
-                </a:solidFill>
-                <a:latin typeface="+mn-lt"/>
-                <a:ea typeface="+mn-ea"/>
-                <a:cs typeface="+mn-cs"/>
-              </a:defRPr>
-            </a:lvl4pPr>
-            <a:lvl5pPr marL="2057400" indent="-228600" algn="l" defTabSz="914400" rtl="0" eaLnBrk="1" latinLnBrk="0" hangingPunct="1">
-              <a:lnSpc>
-                <a:spcPct val="120000"/>
-              </a:lnSpc>
-              <a:spcBef>
-                <a:spcPts val="500"/>
-              </a:spcBef>
-              <a:buSzPct val="125000"/>
-              <a:buFont typeface="Arial" panose="020B0604020202020204" pitchFamily="34" charset="0"/>
-              <a:buChar char="•"/>
-              <a:defRPr sz="1600" kern="1200">
+              <a:defRPr sz="1800" kern="1200">
                 <a:solidFill>
                   <a:schemeClr val="tx1"/>
                 </a:solidFill>
@@ -39090,15 +39274,14 @@
             </a:lvl5pPr>
             <a:lvl6pPr marL="2514600" indent="-228600" algn="l" defTabSz="914400" rtl="0" eaLnBrk="1" latinLnBrk="0" hangingPunct="1">
               <a:lnSpc>
-                <a:spcPct val="120000"/>
+                <a:spcPct val="90000"/>
               </a:lnSpc>
               <a:spcBef>
                 <a:spcPts val="500"/>
               </a:spcBef>
-              <a:buSzPct val="125000"/>
               <a:buFont typeface="Arial" panose="020B0604020202020204" pitchFamily="34" charset="0"/>
               <a:buChar char="•"/>
-              <a:defRPr sz="1400" kern="1200">
+              <a:defRPr sz="1800" kern="1200">
                 <a:solidFill>
                   <a:schemeClr val="tx1"/>
                 </a:solidFill>
@@ -39109,15 +39292,14 @@
             </a:lvl6pPr>
             <a:lvl7pPr marL="2971800" indent="-228600" algn="l" defTabSz="914400" rtl="0" eaLnBrk="1" latinLnBrk="0" hangingPunct="1">
               <a:lnSpc>
-                <a:spcPct val="120000"/>
+                <a:spcPct val="90000"/>
               </a:lnSpc>
               <a:spcBef>
                 <a:spcPts val="500"/>
               </a:spcBef>
-              <a:buSzPct val="125000"/>
               <a:buFont typeface="Arial" panose="020B0604020202020204" pitchFamily="34" charset="0"/>
               <a:buChar char="•"/>
-              <a:defRPr sz="1400" kern="1200">
+              <a:defRPr sz="1800" kern="1200">
                 <a:solidFill>
                   <a:schemeClr val="tx1"/>
                 </a:solidFill>
@@ -39128,15 +39310,14 @@
             </a:lvl7pPr>
             <a:lvl8pPr marL="3429000" indent="-228600" algn="l" defTabSz="914400" rtl="0" eaLnBrk="1" latinLnBrk="0" hangingPunct="1">
               <a:lnSpc>
-                <a:spcPct val="120000"/>
+                <a:spcPct val="90000"/>
               </a:lnSpc>
               <a:spcBef>
                 <a:spcPts val="500"/>
               </a:spcBef>
-              <a:buSzPct val="125000"/>
               <a:buFont typeface="Arial" panose="020B0604020202020204" pitchFamily="34" charset="0"/>
               <a:buChar char="•"/>
-              <a:defRPr sz="1400" kern="1200">
+              <a:defRPr sz="1800" kern="1200">
                 <a:solidFill>
                   <a:schemeClr val="tx1"/>
                 </a:solidFill>
@@ -39147,15 +39328,14 @@
             </a:lvl8pPr>
             <a:lvl9pPr marL="3886200" indent="-228600" algn="l" defTabSz="914400" rtl="0" eaLnBrk="1" latinLnBrk="0" hangingPunct="1">
               <a:lnSpc>
-                <a:spcPct val="120000"/>
+                <a:spcPct val="90000"/>
               </a:lnSpc>
               <a:spcBef>
                 <a:spcPts val="500"/>
               </a:spcBef>
-              <a:buSzPct val="125000"/>
               <a:buFont typeface="Arial" panose="020B0604020202020204" pitchFamily="34" charset="0"/>
               <a:buChar char="•"/>
-              <a:defRPr sz="1400" kern="1200">
+              <a:defRPr sz="1800" kern="1200">
                 <a:solidFill>
                   <a:schemeClr val="tx1"/>
                 </a:solidFill>
@@ -39166,12 +39346,18 @@
             </a:lvl9pPr>
           </a:lstStyle>
           <a:p>
-            <a:pPr marL="0" indent="0">
+            <a:pPr marL="0" indent="0" algn="ctr">
+              <a:lnSpc>
+                <a:spcPct val="100000"/>
+              </a:lnSpc>
               <a:buFont typeface="Arial" panose="020B0604020202020204" pitchFamily="34" charset="0"/>
               <a:buNone/>
             </a:pPr>
             <a:r>
-              <a:rPr lang="de-DE" sz="3000" u="sng" dirty="0">
+              <a:rPr lang="de-DE" u="sng" dirty="0">
+                <a:solidFill>
+                  <a:schemeClr val="bg1"/>
+                </a:solidFill>
                 <a:latin typeface="+mj-lt"/>
                 <a:ea typeface="Lufthansa Head Global Light" pitchFamily="2" charset="-128"/>
                 <a:cs typeface="Lufthansa Head Global Light" pitchFamily="2" charset="-128"/>
@@ -39180,12 +39366,18 @@
             </a:r>
           </a:p>
           <a:p>
-            <a:pPr marL="0" indent="0">
+            <a:pPr marL="0" indent="0" algn="ctr">
+              <a:lnSpc>
+                <a:spcPct val="100000"/>
+              </a:lnSpc>
               <a:buFont typeface="Arial" panose="020B0604020202020204" pitchFamily="34" charset="0"/>
               <a:buNone/>
             </a:pPr>
             <a:r>
-              <a:rPr lang="de-DE" sz="3000" dirty="0">
+              <a:rPr lang="de-DE" dirty="0">
+                <a:solidFill>
+                  <a:schemeClr val="bg1"/>
+                </a:solidFill>
                 <a:latin typeface="+mj-lt"/>
                 <a:ea typeface="Lufthansa Head Global Light" pitchFamily="2" charset="-128"/>
                 <a:cs typeface="Lufthansa Head Global Light" pitchFamily="2" charset="-128"/>
@@ -39194,12 +39386,18 @@
             </a:r>
           </a:p>
           <a:p>
-            <a:pPr marL="0" indent="0">
+            <a:pPr marL="0" indent="0" algn="ctr">
+              <a:lnSpc>
+                <a:spcPct val="100000"/>
+              </a:lnSpc>
               <a:buFont typeface="Arial" panose="020B0604020202020204" pitchFamily="34" charset="0"/>
               <a:buNone/>
             </a:pPr>
             <a:r>
-              <a:rPr lang="de-DE" sz="3000" dirty="0">
+              <a:rPr lang="de-DE" dirty="0">
+                <a:solidFill>
+                  <a:schemeClr val="bg1"/>
+                </a:solidFill>
                 <a:latin typeface="+mj-lt"/>
                 <a:ea typeface="Lufthansa Head Global Light" pitchFamily="2" charset="-128"/>
                 <a:cs typeface="Lufthansa Head Global Light" pitchFamily="2" charset="-128"/>
@@ -39208,12 +39406,18 @@
             </a:r>
           </a:p>
           <a:p>
-            <a:pPr marL="0" indent="0">
+            <a:pPr marL="0" indent="0" algn="ctr">
+              <a:lnSpc>
+                <a:spcPct val="100000"/>
+              </a:lnSpc>
               <a:buFont typeface="Arial" panose="020B0604020202020204" pitchFamily="34" charset="0"/>
               <a:buNone/>
             </a:pPr>
             <a:r>
-              <a:rPr lang="de-DE" sz="3000" dirty="0">
+              <a:rPr lang="de-DE" dirty="0">
+                <a:solidFill>
+                  <a:schemeClr val="bg1"/>
+                </a:solidFill>
                 <a:latin typeface="+mj-lt"/>
                 <a:ea typeface="Lufthansa Head Global Light" pitchFamily="2" charset="-128"/>
                 <a:cs typeface="Lufthansa Head Global Light" pitchFamily="2" charset="-128"/>
@@ -39222,12 +39426,18 @@
             </a:r>
           </a:p>
           <a:p>
-            <a:pPr marL="0" indent="0">
+            <a:pPr marL="0" indent="0" algn="ctr">
+              <a:lnSpc>
+                <a:spcPct val="100000"/>
+              </a:lnSpc>
               <a:buFont typeface="Arial" panose="020B0604020202020204" pitchFamily="34" charset="0"/>
               <a:buNone/>
             </a:pPr>
             <a:r>
-              <a:rPr lang="de-DE" sz="3000" dirty="0">
+              <a:rPr lang="de-DE" dirty="0">
+                <a:solidFill>
+                  <a:schemeClr val="bg1"/>
+                </a:solidFill>
                 <a:latin typeface="+mj-lt"/>
                 <a:ea typeface="Lufthansa Head Global Light" pitchFamily="2" charset="-128"/>
                 <a:cs typeface="Lufthansa Head Global Light" pitchFamily="2" charset="-128"/>
@@ -39236,73 +39446,24 @@
             </a:r>
           </a:p>
           <a:p>
-            <a:pPr marL="0" indent="0">
+            <a:pPr marL="0" indent="0" algn="ctr">
+              <a:lnSpc>
+                <a:spcPct val="100000"/>
+              </a:lnSpc>
               <a:buFont typeface="Arial" panose="020B0604020202020204" pitchFamily="34" charset="0"/>
               <a:buNone/>
             </a:pPr>
             <a:r>
-              <a:rPr lang="de-DE" sz="3000" b="1" dirty="0">
+              <a:rPr lang="de-DE" b="1" dirty="0">
+                <a:solidFill>
+                  <a:schemeClr val="bg1"/>
+                </a:solidFill>
                 <a:latin typeface="+mj-lt"/>
                 <a:ea typeface="Lufthansa Head Global Light" pitchFamily="2" charset="-128"/>
                 <a:cs typeface="Lufthansa Head Global Light" pitchFamily="2" charset="-128"/>
               </a:rPr>
               <a:t>Preis: 510.000$</a:t>
             </a:r>
-          </a:p>
-          <a:p>
-            <a:pPr marL="0" indent="0">
-              <a:buFont typeface="Arial" panose="020B0604020202020204" pitchFamily="34" charset="0"/>
-              <a:buNone/>
-            </a:pPr>
-            <a:endParaRPr lang="de-DE" dirty="0">
-              <a:latin typeface="Lufthansa Head Global Light" pitchFamily="2" charset="-128"/>
-              <a:ea typeface="Lufthansa Head Global Light" pitchFamily="2" charset="-128"/>
-              <a:cs typeface="Lufthansa Head Global Light" pitchFamily="2" charset="-128"/>
-            </a:endParaRPr>
-          </a:p>
-        </p:txBody>
-      </p:sp>
-      <p:sp>
-        <p:nvSpPr>
-          <p:cNvPr id="39" name="Pfeil: nach links und rechts 38">
-            <a:extLst>
-              <a:ext uri="{FF2B5EF4-FFF2-40B4-BE49-F238E27FC236}">
-                <a16:creationId xmlns:a16="http://schemas.microsoft.com/office/drawing/2014/main" id="{812679D9-F281-46E9-86B0-A4C5DBF686EA}"/>
-              </a:ext>
-            </a:extLst>
-          </p:cNvPr>
-          <p:cNvSpPr/>
-          <p:nvPr/>
-        </p:nvSpPr>
-        <p:spPr>
-          <a:xfrm>
-            <a:off x="5222557" y="3504960"/>
-            <a:ext cx="1512059" cy="529295"/>
-          </a:xfrm>
-          <a:prstGeom prst="leftRightArrow">
-            <a:avLst/>
-          </a:prstGeom>
-        </p:spPr>
-        <p:style>
-          <a:lnRef idx="3">
-            <a:schemeClr val="lt1"/>
-          </a:lnRef>
-          <a:fillRef idx="1">
-            <a:schemeClr val="accent3"/>
-          </a:fillRef>
-          <a:effectRef idx="1">
-            <a:schemeClr val="accent3"/>
-          </a:effectRef>
-          <a:fontRef idx="minor">
-            <a:schemeClr val="lt1"/>
-          </a:fontRef>
-        </p:style>
-        <p:txBody>
-          <a:bodyPr rtlCol="0" anchor="ctr"/>
-          <a:lstStyle/>
-          <a:p>
-            <a:pPr algn="ctr"/>
-            <a:endParaRPr lang="de-DE"/>
           </a:p>
         </p:txBody>
       </p:sp>
@@ -39716,7 +39877,7 @@
                                           </p:stCondLst>
                                         </p:cTn>
                                         <p:tgtEl>
-                                          <p:spTgt spid="50">
+                                          <p:spTgt spid="12">
                                             <p:txEl>
                                               <p:pRg st="0" end="0"/>
                                             </p:txEl>
@@ -39734,7 +39895,7 @@
                                       <p:cBhvr>
                                         <p:cTn id="37" dur="500"/>
                                         <p:tgtEl>
-                                          <p:spTgt spid="50">
+                                          <p:spTgt spid="12">
                                             <p:txEl>
                                               <p:pRg st="0" end="0"/>
                                             </p:txEl>
@@ -39777,7 +39938,7 @@
                                           </p:stCondLst>
                                         </p:cTn>
                                         <p:tgtEl>
-                                          <p:spTgt spid="50">
+                                          <p:spTgt spid="12">
                                             <p:txEl>
                                               <p:pRg st="1" end="1"/>
                                             </p:txEl>
@@ -39795,7 +39956,7 @@
                                       <p:cBhvr>
                                         <p:cTn id="42" dur="500"/>
                                         <p:tgtEl>
-                                          <p:spTgt spid="50">
+                                          <p:spTgt spid="12">
                                             <p:txEl>
                                               <p:pRg st="1" end="1"/>
                                             </p:txEl>
@@ -39838,7 +39999,7 @@
                                           </p:stCondLst>
                                         </p:cTn>
                                         <p:tgtEl>
-                                          <p:spTgt spid="50">
+                                          <p:spTgt spid="12">
                                             <p:txEl>
                                               <p:pRg st="2" end="2"/>
                                             </p:txEl>
@@ -39856,7 +40017,7 @@
                                       <p:cBhvr>
                                         <p:cTn id="47" dur="500"/>
                                         <p:tgtEl>
-                                          <p:spTgt spid="50">
+                                          <p:spTgt spid="12">
                                             <p:txEl>
                                               <p:pRg st="2" end="2"/>
                                             </p:txEl>
@@ -39899,7 +40060,7 @@
                                           </p:stCondLst>
                                         </p:cTn>
                                         <p:tgtEl>
-                                          <p:spTgt spid="50">
+                                          <p:spTgt spid="12">
                                             <p:txEl>
                                               <p:pRg st="3" end="3"/>
                                             </p:txEl>
@@ -39917,7 +40078,7 @@
                                       <p:cBhvr>
                                         <p:cTn id="52" dur="500"/>
                                         <p:tgtEl>
-                                          <p:spTgt spid="50">
+                                          <p:spTgt spid="12">
                                             <p:txEl>
                                               <p:pRg st="3" end="3"/>
                                             </p:txEl>
@@ -39960,7 +40121,7 @@
                                           </p:stCondLst>
                                         </p:cTn>
                                         <p:tgtEl>
-                                          <p:spTgt spid="50">
+                                          <p:spTgt spid="12">
                                             <p:txEl>
                                               <p:pRg st="4" end="4"/>
                                             </p:txEl>
@@ -39978,7 +40139,7 @@
                                       <p:cBhvr>
                                         <p:cTn id="57" dur="500"/>
                                         <p:tgtEl>
-                                          <p:spTgt spid="50">
+                                          <p:spTgt spid="12">
                                             <p:txEl>
                                               <p:pRg st="4" end="4"/>
                                             </p:txEl>
@@ -40021,7 +40182,7 @@
                                           </p:stCondLst>
                                         </p:cTn>
                                         <p:tgtEl>
-                                          <p:spTgt spid="50">
+                                          <p:spTgt spid="12">
                                             <p:txEl>
                                               <p:pRg st="5" end="5"/>
                                             </p:txEl>
@@ -40039,7 +40200,7 @@
                                       <p:cBhvr>
                                         <p:cTn id="62" dur="500"/>
                                         <p:tgtEl>
-                                          <p:spTgt spid="50">
+                                          <p:spTgt spid="12">
                                             <p:txEl>
                                               <p:pRg st="5" end="5"/>
                                             </p:txEl>
@@ -40079,7 +40240,7 @@
     </p:tnLst>
     <p:bldLst>
       <p:bldP spid="3" grpId="0" uiExpand="1" build="p"/>
-      <p:bldP spid="50" grpId="0" uiExpand="1" build="p"/>
+      <p:bldP spid="12" grpId="0" uiExpand="1" build="p"/>
     </p:bldLst>
   </p:timing>
 </p:sld>
@@ -41574,9 +41735,8 @@
             <a:endParaRPr lang="de-DE" sz="2000" b="1" dirty="0"/>
           </a:p>
           <a:p>
-            <a:pPr rtl="0">
-              <a:buFont typeface="Wingdings" panose="05000000000000000000" pitchFamily="2" charset="2"/>
-              <a:buChar char="à"/>
+            <a:pPr marL="457200" lvl="1" indent="0">
+              <a:buNone/>
             </a:pPr>
             <a:r>
               <a:rPr lang="de-DE" dirty="0">
@@ -41586,9 +41746,8 @@
             </a:r>
           </a:p>
           <a:p>
-            <a:pPr rtl="0">
-              <a:buFont typeface="Wingdings" panose="05000000000000000000" pitchFamily="2" charset="2"/>
-              <a:buChar char="à"/>
+            <a:pPr marL="457200" lvl="1" indent="0">
+              <a:buNone/>
             </a:pPr>
             <a:r>
               <a:rPr lang="de-DE" dirty="0">
@@ -41598,9 +41757,8 @@
             </a:r>
           </a:p>
           <a:p>
-            <a:pPr rtl="0">
-              <a:buFont typeface="Wingdings" panose="05000000000000000000" pitchFamily="2" charset="2"/>
-              <a:buChar char="à"/>
+            <a:pPr marL="457200" lvl="1" indent="0">
+              <a:buNone/>
             </a:pPr>
             <a:r>
               <a:rPr lang="de-DE" dirty="0">
@@ -41610,9 +41768,8 @@
             </a:r>
           </a:p>
           <a:p>
-            <a:pPr rtl="0">
-              <a:buFont typeface="Wingdings" panose="05000000000000000000" pitchFamily="2" charset="2"/>
-              <a:buChar char="à"/>
+            <a:pPr marL="457200" lvl="1" indent="0">
+              <a:buNone/>
             </a:pPr>
             <a:r>
               <a:rPr lang="de-DE" dirty="0">
@@ -41645,7 +41802,7 @@
           <a:bodyPr rtlCol="0"/>
           <a:lstStyle/>
           <a:p>
-            <a:pPr marL="0" indent="0" rtl="0">
+            <a:pPr marL="0" indent="0">
               <a:buNone/>
             </a:pPr>
             <a:r>
@@ -41654,7 +41811,7 @@
             </a:r>
           </a:p>
           <a:p>
-            <a:pPr marL="0" indent="0" rtl="0">
+            <a:pPr marL="0" indent="0">
               <a:buNone/>
             </a:pPr>
             <a:r>
@@ -41663,15 +41820,14 @@
             </a:r>
           </a:p>
           <a:p>
-            <a:pPr marL="0" indent="0" rtl="0">
+            <a:pPr marL="0" indent="0">
               <a:buNone/>
             </a:pPr>
             <a:endParaRPr lang="de-DE" sz="2000" b="1" dirty="0"/>
           </a:p>
           <a:p>
-            <a:pPr rtl="0">
-              <a:buFont typeface="Wingdings" panose="05000000000000000000" pitchFamily="2" charset="2"/>
-              <a:buChar char="§"/>
+            <a:pPr marL="457200" lvl="1" indent="0">
+              <a:buNone/>
             </a:pPr>
             <a:r>
               <a:rPr lang="de-DE" dirty="0" err="1"/>
@@ -41680,9 +41836,8 @@
             <a:endParaRPr lang="de-DE" dirty="0"/>
           </a:p>
           <a:p>
-            <a:pPr rtl="0">
-              <a:buFont typeface="Wingdings" panose="05000000000000000000" pitchFamily="2" charset="2"/>
-              <a:buChar char="§"/>
+            <a:pPr marL="457200" lvl="1" indent="0">
+              <a:buNone/>
             </a:pPr>
             <a:r>
               <a:rPr lang="de-DE" dirty="0"/>
@@ -41690,9 +41845,8 @@
             </a:r>
           </a:p>
           <a:p>
-            <a:pPr rtl="0">
-              <a:buFont typeface="Wingdings" panose="05000000000000000000" pitchFamily="2" charset="2"/>
-              <a:buChar char="§"/>
+            <a:pPr marL="457200" lvl="1" indent="0">
+              <a:buNone/>
             </a:pPr>
             <a:r>
               <a:rPr lang="de-DE" dirty="0" err="1"/>
@@ -41701,9 +41855,8 @@
             <a:endParaRPr lang="de-DE" dirty="0"/>
           </a:p>
           <a:p>
-            <a:pPr rtl="0">
-              <a:buFont typeface="Wingdings" panose="05000000000000000000" pitchFamily="2" charset="2"/>
-              <a:buChar char="§"/>
+            <a:pPr marL="457200" lvl="1" indent="0">
+              <a:buNone/>
             </a:pPr>
             <a:r>
               <a:rPr lang="de-DE" dirty="0" err="1"/>
@@ -41931,6 +42084,470 @@
           </a:extLst>
         </p:spPr>
       </p:pic>
+      <p:sp>
+        <p:nvSpPr>
+          <p:cNvPr id="10" name="Pfeil: Chevron 9">
+            <a:extLst>
+              <a:ext uri="{FF2B5EF4-FFF2-40B4-BE49-F238E27FC236}">
+                <a16:creationId xmlns:a16="http://schemas.microsoft.com/office/drawing/2014/main" id="{1F5485E1-AEA9-44DE-A72D-97BB2D23950C}"/>
+              </a:ext>
+            </a:extLst>
+          </p:cNvPr>
+          <p:cNvSpPr/>
+          <p:nvPr/>
+        </p:nvSpPr>
+        <p:spPr>
+          <a:xfrm>
+            <a:off x="1000164" y="3017630"/>
+            <a:ext cx="71489" cy="104144"/>
+          </a:xfrm>
+          <a:prstGeom prst="chevron">
+            <a:avLst/>
+          </a:prstGeom>
+          <a:solidFill>
+            <a:schemeClr val="bg1"/>
+          </a:solidFill>
+          <a:ln>
+            <a:solidFill>
+              <a:schemeClr val="bg1"/>
+            </a:solidFill>
+          </a:ln>
+        </p:spPr>
+        <p:style>
+          <a:lnRef idx="2">
+            <a:schemeClr val="accent1">
+              <a:shade val="50000"/>
+            </a:schemeClr>
+          </a:lnRef>
+          <a:fillRef idx="1">
+            <a:schemeClr val="accent1"/>
+          </a:fillRef>
+          <a:effectRef idx="0">
+            <a:schemeClr val="accent1"/>
+          </a:effectRef>
+          <a:fontRef idx="minor">
+            <a:schemeClr val="lt1"/>
+          </a:fontRef>
+        </p:style>
+        <p:txBody>
+          <a:bodyPr rtlCol="0" anchor="ctr"/>
+          <a:lstStyle/>
+          <a:p>
+            <a:pPr algn="ctr"/>
+            <a:endParaRPr lang="de-DE">
+              <a:solidFill>
+                <a:schemeClr val="tx1"/>
+              </a:solidFill>
+            </a:endParaRPr>
+          </a:p>
+        </p:txBody>
+      </p:sp>
+      <p:sp>
+        <p:nvSpPr>
+          <p:cNvPr id="11" name="Pfeil: Chevron 10">
+            <a:extLst>
+              <a:ext uri="{FF2B5EF4-FFF2-40B4-BE49-F238E27FC236}">
+                <a16:creationId xmlns:a16="http://schemas.microsoft.com/office/drawing/2014/main" id="{8232CDDC-BB13-4136-91D1-3B8C77891124}"/>
+              </a:ext>
+            </a:extLst>
+          </p:cNvPr>
+          <p:cNvSpPr/>
+          <p:nvPr/>
+        </p:nvSpPr>
+        <p:spPr>
+          <a:xfrm>
+            <a:off x="1001134" y="3298163"/>
+            <a:ext cx="71489" cy="104144"/>
+          </a:xfrm>
+          <a:prstGeom prst="chevron">
+            <a:avLst/>
+          </a:prstGeom>
+          <a:solidFill>
+            <a:schemeClr val="bg1"/>
+          </a:solidFill>
+          <a:ln>
+            <a:solidFill>
+              <a:schemeClr val="bg1"/>
+            </a:solidFill>
+          </a:ln>
+        </p:spPr>
+        <p:style>
+          <a:lnRef idx="2">
+            <a:schemeClr val="accent1">
+              <a:shade val="50000"/>
+            </a:schemeClr>
+          </a:lnRef>
+          <a:fillRef idx="1">
+            <a:schemeClr val="accent1"/>
+          </a:fillRef>
+          <a:effectRef idx="0">
+            <a:schemeClr val="accent1"/>
+          </a:effectRef>
+          <a:fontRef idx="minor">
+            <a:schemeClr val="lt1"/>
+          </a:fontRef>
+        </p:style>
+        <p:txBody>
+          <a:bodyPr rtlCol="0" anchor="ctr"/>
+          <a:lstStyle/>
+          <a:p>
+            <a:pPr algn="ctr"/>
+            <a:endParaRPr lang="de-DE">
+              <a:solidFill>
+                <a:schemeClr val="tx1"/>
+              </a:solidFill>
+            </a:endParaRPr>
+          </a:p>
+        </p:txBody>
+      </p:sp>
+      <p:sp>
+        <p:nvSpPr>
+          <p:cNvPr id="12" name="Pfeil: Chevron 11">
+            <a:extLst>
+              <a:ext uri="{FF2B5EF4-FFF2-40B4-BE49-F238E27FC236}">
+                <a16:creationId xmlns:a16="http://schemas.microsoft.com/office/drawing/2014/main" id="{82FCFAA7-C5C9-4978-AD08-7A1FC8F4B312}"/>
+              </a:ext>
+            </a:extLst>
+          </p:cNvPr>
+          <p:cNvSpPr/>
+          <p:nvPr/>
+        </p:nvSpPr>
+        <p:spPr>
+          <a:xfrm>
+            <a:off x="1000164" y="3578696"/>
+            <a:ext cx="71489" cy="104144"/>
+          </a:xfrm>
+          <a:prstGeom prst="chevron">
+            <a:avLst/>
+          </a:prstGeom>
+          <a:solidFill>
+            <a:schemeClr val="bg1"/>
+          </a:solidFill>
+          <a:ln>
+            <a:solidFill>
+              <a:schemeClr val="bg1"/>
+            </a:solidFill>
+          </a:ln>
+        </p:spPr>
+        <p:style>
+          <a:lnRef idx="2">
+            <a:schemeClr val="accent1">
+              <a:shade val="50000"/>
+            </a:schemeClr>
+          </a:lnRef>
+          <a:fillRef idx="1">
+            <a:schemeClr val="accent1"/>
+          </a:fillRef>
+          <a:effectRef idx="0">
+            <a:schemeClr val="accent1"/>
+          </a:effectRef>
+          <a:fontRef idx="minor">
+            <a:schemeClr val="lt1"/>
+          </a:fontRef>
+        </p:style>
+        <p:txBody>
+          <a:bodyPr rtlCol="0" anchor="ctr"/>
+          <a:lstStyle/>
+          <a:p>
+            <a:pPr algn="ctr"/>
+            <a:endParaRPr lang="de-DE">
+              <a:solidFill>
+                <a:schemeClr val="tx1"/>
+              </a:solidFill>
+            </a:endParaRPr>
+          </a:p>
+        </p:txBody>
+      </p:sp>
+      <p:sp>
+        <p:nvSpPr>
+          <p:cNvPr id="13" name="Pfeil: Chevron 12">
+            <a:extLst>
+              <a:ext uri="{FF2B5EF4-FFF2-40B4-BE49-F238E27FC236}">
+                <a16:creationId xmlns:a16="http://schemas.microsoft.com/office/drawing/2014/main" id="{E2F7DB50-7CC3-4695-8E35-B2E02B532843}"/>
+              </a:ext>
+            </a:extLst>
+          </p:cNvPr>
+          <p:cNvSpPr/>
+          <p:nvPr/>
+        </p:nvSpPr>
+        <p:spPr>
+          <a:xfrm>
+            <a:off x="1000164" y="3859229"/>
+            <a:ext cx="71489" cy="104144"/>
+          </a:xfrm>
+          <a:prstGeom prst="chevron">
+            <a:avLst/>
+          </a:prstGeom>
+          <a:solidFill>
+            <a:schemeClr val="bg1"/>
+          </a:solidFill>
+          <a:ln>
+            <a:solidFill>
+              <a:schemeClr val="bg1"/>
+            </a:solidFill>
+          </a:ln>
+        </p:spPr>
+        <p:style>
+          <a:lnRef idx="2">
+            <a:schemeClr val="accent1">
+              <a:shade val="50000"/>
+            </a:schemeClr>
+          </a:lnRef>
+          <a:fillRef idx="1">
+            <a:schemeClr val="accent1"/>
+          </a:fillRef>
+          <a:effectRef idx="0">
+            <a:schemeClr val="accent1"/>
+          </a:effectRef>
+          <a:fontRef idx="minor">
+            <a:schemeClr val="lt1"/>
+          </a:fontRef>
+        </p:style>
+        <p:txBody>
+          <a:bodyPr rtlCol="0" anchor="ctr"/>
+          <a:lstStyle/>
+          <a:p>
+            <a:pPr algn="ctr"/>
+            <a:endParaRPr lang="de-DE">
+              <a:solidFill>
+                <a:schemeClr val="tx1"/>
+              </a:solidFill>
+            </a:endParaRPr>
+          </a:p>
+        </p:txBody>
+      </p:sp>
+      <p:sp>
+        <p:nvSpPr>
+          <p:cNvPr id="14" name="Pfeil: Chevron 13">
+            <a:extLst>
+              <a:ext uri="{FF2B5EF4-FFF2-40B4-BE49-F238E27FC236}">
+                <a16:creationId xmlns:a16="http://schemas.microsoft.com/office/drawing/2014/main" id="{F4E4EC41-E6CC-406C-997D-E5E3F0BB76A9}"/>
+              </a:ext>
+            </a:extLst>
+          </p:cNvPr>
+          <p:cNvSpPr/>
+          <p:nvPr/>
+        </p:nvSpPr>
+        <p:spPr>
+          <a:xfrm>
+            <a:off x="8843987" y="3017630"/>
+            <a:ext cx="71489" cy="104144"/>
+          </a:xfrm>
+          <a:prstGeom prst="chevron">
+            <a:avLst/>
+          </a:prstGeom>
+          <a:solidFill>
+            <a:schemeClr val="bg1"/>
+          </a:solidFill>
+          <a:ln>
+            <a:solidFill>
+              <a:schemeClr val="bg1"/>
+            </a:solidFill>
+          </a:ln>
+        </p:spPr>
+        <p:style>
+          <a:lnRef idx="2">
+            <a:schemeClr val="accent1">
+              <a:shade val="50000"/>
+            </a:schemeClr>
+          </a:lnRef>
+          <a:fillRef idx="1">
+            <a:schemeClr val="accent1"/>
+          </a:fillRef>
+          <a:effectRef idx="0">
+            <a:schemeClr val="accent1"/>
+          </a:effectRef>
+          <a:fontRef idx="minor">
+            <a:schemeClr val="lt1"/>
+          </a:fontRef>
+        </p:style>
+        <p:txBody>
+          <a:bodyPr rtlCol="0" anchor="ctr"/>
+          <a:lstStyle/>
+          <a:p>
+            <a:pPr algn="ctr"/>
+            <a:endParaRPr lang="de-DE">
+              <a:solidFill>
+                <a:schemeClr val="tx1"/>
+              </a:solidFill>
+            </a:endParaRPr>
+          </a:p>
+        </p:txBody>
+      </p:sp>
+      <p:sp>
+        <p:nvSpPr>
+          <p:cNvPr id="15" name="Pfeil: Chevron 14">
+            <a:extLst>
+              <a:ext uri="{FF2B5EF4-FFF2-40B4-BE49-F238E27FC236}">
+                <a16:creationId xmlns:a16="http://schemas.microsoft.com/office/drawing/2014/main" id="{DD449DA8-62A5-4AA4-965D-614A4FB843E8}"/>
+              </a:ext>
+            </a:extLst>
+          </p:cNvPr>
+          <p:cNvSpPr/>
+          <p:nvPr/>
+        </p:nvSpPr>
+        <p:spPr>
+          <a:xfrm>
+            <a:off x="8843986" y="3298163"/>
+            <a:ext cx="71489" cy="104144"/>
+          </a:xfrm>
+          <a:prstGeom prst="chevron">
+            <a:avLst/>
+          </a:prstGeom>
+          <a:solidFill>
+            <a:schemeClr val="bg1"/>
+          </a:solidFill>
+          <a:ln>
+            <a:solidFill>
+              <a:schemeClr val="bg1"/>
+            </a:solidFill>
+          </a:ln>
+        </p:spPr>
+        <p:style>
+          <a:lnRef idx="2">
+            <a:schemeClr val="accent1">
+              <a:shade val="50000"/>
+            </a:schemeClr>
+          </a:lnRef>
+          <a:fillRef idx="1">
+            <a:schemeClr val="accent1"/>
+          </a:fillRef>
+          <a:effectRef idx="0">
+            <a:schemeClr val="accent1"/>
+          </a:effectRef>
+          <a:fontRef idx="minor">
+            <a:schemeClr val="lt1"/>
+          </a:fontRef>
+        </p:style>
+        <p:txBody>
+          <a:bodyPr rtlCol="0" anchor="ctr"/>
+          <a:lstStyle/>
+          <a:p>
+            <a:pPr algn="ctr"/>
+            <a:endParaRPr lang="de-DE">
+              <a:solidFill>
+                <a:schemeClr val="tx1"/>
+              </a:solidFill>
+            </a:endParaRPr>
+          </a:p>
+        </p:txBody>
+      </p:sp>
+      <p:sp>
+        <p:nvSpPr>
+          <p:cNvPr id="16" name="Pfeil: Chevron 15">
+            <a:extLst>
+              <a:ext uri="{FF2B5EF4-FFF2-40B4-BE49-F238E27FC236}">
+                <a16:creationId xmlns:a16="http://schemas.microsoft.com/office/drawing/2014/main" id="{BC4BA279-A72D-4BC3-B7D6-C410C57826C0}"/>
+              </a:ext>
+            </a:extLst>
+          </p:cNvPr>
+          <p:cNvSpPr/>
+          <p:nvPr/>
+        </p:nvSpPr>
+        <p:spPr>
+          <a:xfrm>
+            <a:off x="8843986" y="3578696"/>
+            <a:ext cx="71489" cy="104144"/>
+          </a:xfrm>
+          <a:prstGeom prst="chevron">
+            <a:avLst/>
+          </a:prstGeom>
+          <a:solidFill>
+            <a:schemeClr val="bg1"/>
+          </a:solidFill>
+          <a:ln>
+            <a:solidFill>
+              <a:schemeClr val="bg1"/>
+            </a:solidFill>
+          </a:ln>
+        </p:spPr>
+        <p:style>
+          <a:lnRef idx="2">
+            <a:schemeClr val="accent1">
+              <a:shade val="50000"/>
+            </a:schemeClr>
+          </a:lnRef>
+          <a:fillRef idx="1">
+            <a:schemeClr val="accent1"/>
+          </a:fillRef>
+          <a:effectRef idx="0">
+            <a:schemeClr val="accent1"/>
+          </a:effectRef>
+          <a:fontRef idx="minor">
+            <a:schemeClr val="lt1"/>
+          </a:fontRef>
+        </p:style>
+        <p:txBody>
+          <a:bodyPr rtlCol="0" anchor="ctr"/>
+          <a:lstStyle/>
+          <a:p>
+            <a:pPr algn="ctr"/>
+            <a:endParaRPr lang="de-DE">
+              <a:solidFill>
+                <a:schemeClr val="tx1"/>
+              </a:solidFill>
+            </a:endParaRPr>
+          </a:p>
+        </p:txBody>
+      </p:sp>
+      <p:sp>
+        <p:nvSpPr>
+          <p:cNvPr id="17" name="Pfeil: Chevron 16">
+            <a:extLst>
+              <a:ext uri="{FF2B5EF4-FFF2-40B4-BE49-F238E27FC236}">
+                <a16:creationId xmlns:a16="http://schemas.microsoft.com/office/drawing/2014/main" id="{16669722-EB3C-4FDE-8268-3C222B0D4D19}"/>
+              </a:ext>
+            </a:extLst>
+          </p:cNvPr>
+          <p:cNvSpPr/>
+          <p:nvPr/>
+        </p:nvSpPr>
+        <p:spPr>
+          <a:xfrm>
+            <a:off x="8843986" y="3859229"/>
+            <a:ext cx="71489" cy="104144"/>
+          </a:xfrm>
+          <a:prstGeom prst="chevron">
+            <a:avLst/>
+          </a:prstGeom>
+          <a:solidFill>
+            <a:schemeClr val="bg1"/>
+          </a:solidFill>
+          <a:ln>
+            <a:solidFill>
+              <a:schemeClr val="bg1"/>
+            </a:solidFill>
+          </a:ln>
+        </p:spPr>
+        <p:style>
+          <a:lnRef idx="2">
+            <a:schemeClr val="accent1">
+              <a:shade val="50000"/>
+            </a:schemeClr>
+          </a:lnRef>
+          <a:fillRef idx="1">
+            <a:schemeClr val="accent1"/>
+          </a:fillRef>
+          <a:effectRef idx="0">
+            <a:schemeClr val="accent1"/>
+          </a:effectRef>
+          <a:fontRef idx="minor">
+            <a:schemeClr val="lt1"/>
+          </a:fontRef>
+        </p:style>
+        <p:txBody>
+          <a:bodyPr rtlCol="0" anchor="ctr"/>
+          <a:lstStyle/>
+          <a:p>
+            <a:pPr algn="ctr"/>
+            <a:endParaRPr lang="de-DE">
+              <a:solidFill>
+                <a:schemeClr val="tx1"/>
+              </a:solidFill>
+            </a:endParaRPr>
+          </a:p>
+        </p:txBody>
+      </p:sp>
     </p:spTree>
     <p:extLst>
       <p:ext uri="{BB962C8B-B14F-4D97-AF65-F5344CB8AC3E}">
